--- a/document/画面一覧.pptx
+++ b/document/画面一覧.pptx
@@ -17,6 +17,12 @@
     <p:sldId id="265" r:id="rId11"/>
     <p:sldId id="266" r:id="rId12"/>
     <p:sldId id="267" r:id="rId13"/>
+    <p:sldId id="268" r:id="rId14"/>
+    <p:sldId id="269" r:id="rId15"/>
+    <p:sldId id="270" r:id="rId16"/>
+    <p:sldId id="271" r:id="rId17"/>
+    <p:sldId id="272" r:id="rId18"/>
+    <p:sldId id="273" r:id="rId19"/>
   </p:sldIdLst>
   <p:sldSz cx="9144000" cy="6858000" type="screen4x3"/>
   <p:notesSz cx="6858000" cy="9144000"/>
@@ -299,7 +305,7 @@
           <a:p>
             <a:fld id="{E2878988-D8A0-41FC-BFAE-62C0E9D186B2}" type="datetimeFigureOut">
               <a:rPr kumimoji="1" lang="ja-JP" altLang="en-US" smtClean="0"/>
-              <a:t>2015/4/16</a:t>
+              <a:t>2015/4/28</a:t>
             </a:fld>
             <a:endParaRPr kumimoji="1" lang="ja-JP" altLang="en-US"/>
           </a:p>
@@ -501,7 +507,7 @@
           <a:p>
             <a:fld id="{E2878988-D8A0-41FC-BFAE-62C0E9D186B2}" type="datetimeFigureOut">
               <a:rPr kumimoji="1" lang="ja-JP" altLang="en-US" smtClean="0"/>
-              <a:t>2015/4/16</a:t>
+              <a:t>2015/4/28</a:t>
             </a:fld>
             <a:endParaRPr kumimoji="1" lang="ja-JP" altLang="en-US"/>
           </a:p>
@@ -713,7 +719,7 @@
           <a:p>
             <a:fld id="{E2878988-D8A0-41FC-BFAE-62C0E9D186B2}" type="datetimeFigureOut">
               <a:rPr kumimoji="1" lang="ja-JP" altLang="en-US" smtClean="0"/>
-              <a:t>2015/4/16</a:t>
+              <a:t>2015/4/28</a:t>
             </a:fld>
             <a:endParaRPr kumimoji="1" lang="ja-JP" altLang="en-US"/>
           </a:p>
@@ -915,7 +921,7 @@
           <a:p>
             <a:fld id="{E2878988-D8A0-41FC-BFAE-62C0E9D186B2}" type="datetimeFigureOut">
               <a:rPr kumimoji="1" lang="ja-JP" altLang="en-US" smtClean="0"/>
-              <a:t>2015/4/16</a:t>
+              <a:t>2015/4/28</a:t>
             </a:fld>
             <a:endParaRPr kumimoji="1" lang="ja-JP" altLang="en-US"/>
           </a:p>
@@ -1161,7 +1167,7 @@
           <a:p>
             <a:fld id="{E2878988-D8A0-41FC-BFAE-62C0E9D186B2}" type="datetimeFigureOut">
               <a:rPr kumimoji="1" lang="ja-JP" altLang="en-US" smtClean="0"/>
-              <a:t>2015/4/16</a:t>
+              <a:t>2015/4/28</a:t>
             </a:fld>
             <a:endParaRPr kumimoji="1" lang="ja-JP" altLang="en-US"/>
           </a:p>
@@ -1513,7 +1519,7 @@
           <a:p>
             <a:fld id="{E2878988-D8A0-41FC-BFAE-62C0E9D186B2}" type="datetimeFigureOut">
               <a:rPr kumimoji="1" lang="ja-JP" altLang="en-US" smtClean="0"/>
-              <a:t>2015/4/16</a:t>
+              <a:t>2015/4/28</a:t>
             </a:fld>
             <a:endParaRPr kumimoji="1" lang="ja-JP" altLang="en-US"/>
           </a:p>
@@ -1999,7 +2005,7 @@
           <a:p>
             <a:fld id="{E2878988-D8A0-41FC-BFAE-62C0E9D186B2}" type="datetimeFigureOut">
               <a:rPr kumimoji="1" lang="ja-JP" altLang="en-US" smtClean="0"/>
-              <a:t>2015/4/16</a:t>
+              <a:t>2015/4/28</a:t>
             </a:fld>
             <a:endParaRPr kumimoji="1" lang="ja-JP" altLang="en-US"/>
           </a:p>
@@ -2117,7 +2123,7 @@
           <a:p>
             <a:fld id="{E2878988-D8A0-41FC-BFAE-62C0E9D186B2}" type="datetimeFigureOut">
               <a:rPr kumimoji="1" lang="ja-JP" altLang="en-US" smtClean="0"/>
-              <a:t>2015/4/16</a:t>
+              <a:t>2015/4/28</a:t>
             </a:fld>
             <a:endParaRPr kumimoji="1" lang="ja-JP" altLang="en-US"/>
           </a:p>
@@ -2212,7 +2218,7 @@
           <a:p>
             <a:fld id="{E2878988-D8A0-41FC-BFAE-62C0E9D186B2}" type="datetimeFigureOut">
               <a:rPr kumimoji="1" lang="ja-JP" altLang="en-US" smtClean="0"/>
-              <a:t>2015/4/16</a:t>
+              <a:t>2015/4/28</a:t>
             </a:fld>
             <a:endParaRPr kumimoji="1" lang="ja-JP" altLang="en-US"/>
           </a:p>
@@ -2521,7 +2527,7 @@
           <a:p>
             <a:fld id="{E2878988-D8A0-41FC-BFAE-62C0E9D186B2}" type="datetimeFigureOut">
               <a:rPr kumimoji="1" lang="ja-JP" altLang="en-US" smtClean="0"/>
-              <a:t>2015/4/16</a:t>
+              <a:t>2015/4/28</a:t>
             </a:fld>
             <a:endParaRPr kumimoji="1" lang="ja-JP" altLang="en-US"/>
           </a:p>
@@ -2774,7 +2780,7 @@
           <a:p>
             <a:fld id="{E2878988-D8A0-41FC-BFAE-62C0E9D186B2}" type="datetimeFigureOut">
               <a:rPr kumimoji="1" lang="ja-JP" altLang="en-US" smtClean="0"/>
-              <a:t>2015/4/16</a:t>
+              <a:t>2015/4/28</a:t>
             </a:fld>
             <a:endParaRPr kumimoji="1" lang="ja-JP" altLang="en-US"/>
           </a:p>
@@ -3019,7 +3025,7 @@
           <a:p>
             <a:fld id="{E2878988-D8A0-41FC-BFAE-62C0E9D186B2}" type="datetimeFigureOut">
               <a:rPr kumimoji="1" lang="ja-JP" altLang="en-US" smtClean="0"/>
-              <a:t>2015/4/16</a:t>
+              <a:t>2015/4/28</a:t>
             </a:fld>
             <a:endParaRPr kumimoji="1" lang="ja-JP" altLang="en-US"/>
           </a:p>
@@ -3476,12 +3482,12 @@
           <a:graphicData uri="http://schemas.openxmlformats.org/presentationml/2006/ole">
             <mc:AlternateContent xmlns:mc="http://schemas.openxmlformats.org/markup-compatibility/2006">
               <mc:Choice xmlns:v="urn:schemas-microsoft-com:vml" Requires="v">
-                <p:oleObj spid="_x0000_s1051" name="ワークシート" r:id="rId4" imgW="5629300" imgH="1076220" progId="Excel.Sheet.12">
+                <p:oleObj spid="_x0000_s1063" name="ワークシート" r:id="rId3" imgW="5629300" imgH="1076220" progId="Excel.Sheet.12">
                   <p:embed/>
                 </p:oleObj>
               </mc:Choice>
               <mc:Fallback>
-                <p:oleObj name="ワークシート" r:id="rId4" imgW="5629300" imgH="1076220" progId="Excel.Sheet.12">
+                <p:oleObj name="ワークシート" r:id="rId3" imgW="5629300" imgH="1076220" progId="Excel.Sheet.12">
                   <p:embed/>
                   <p:pic>
                     <p:nvPicPr>
@@ -3490,7 +3496,7 @@
                       <p:nvPr/>
                     </p:nvPicPr>
                     <p:blipFill>
-                      <a:blip r:embed="rId5"/>
+                      <a:blip r:embed="rId4"/>
                       <a:stretch>
                         <a:fillRect/>
                       </a:stretch>
@@ -4910,7 +4916,7 @@
         </p:nvSpPr>
         <p:spPr>
           <a:xfrm>
-            <a:off x="3186683" y="3789040"/>
+            <a:off x="3203004" y="4454996"/>
             <a:ext cx="1080120" cy="432048"/>
           </a:xfrm>
           <a:prstGeom prst="roundRect">
@@ -4973,7 +4979,7 @@
         </p:nvSpPr>
         <p:spPr>
           <a:xfrm>
-            <a:off x="1691680" y="3790553"/>
+            <a:off x="1708001" y="4456509"/>
             <a:ext cx="1385528" cy="432048"/>
           </a:xfrm>
           <a:prstGeom prst="roundRect">
@@ -5025,6 +5031,226 @@
                 <a:schemeClr val="tx1"/>
               </a:solidFill>
             </a:endParaRPr>
+          </a:p>
+        </p:txBody>
+      </p:sp>
+      <p:sp>
+        <p:nvSpPr>
+          <p:cNvPr id="22" name="テキスト ボックス 21"/>
+          <p:cNvSpPr txBox="1"/>
+          <p:nvPr/>
+        </p:nvSpPr>
+        <p:spPr>
+          <a:xfrm>
+            <a:off x="683568" y="3789040"/>
+            <a:ext cx="1872208" cy="369332"/>
+          </a:xfrm>
+          <a:prstGeom prst="rect">
+            <a:avLst/>
+          </a:prstGeom>
+          <a:noFill/>
+        </p:spPr>
+        <p:txBody>
+          <a:bodyPr wrap="square" rtlCol="0">
+            <a:spAutoFit/>
+          </a:bodyPr>
+          <a:lstStyle/>
+          <a:p>
+            <a:r>
+              <a:rPr lang="ja-JP" altLang="en-US" dirty="0" smtClean="0"/>
+              <a:t>管理者</a:t>
+            </a:r>
+            <a:r>
+              <a:rPr lang="ja-JP" altLang="en-US" dirty="0"/>
+              <a:t>権限</a:t>
+            </a:r>
+            <a:endParaRPr kumimoji="1" lang="ja-JP" altLang="en-US" dirty="0"/>
+          </a:p>
+        </p:txBody>
+      </p:sp>
+      <p:sp>
+        <p:nvSpPr>
+          <p:cNvPr id="23" name="テキスト ボックス 22"/>
+          <p:cNvSpPr txBox="1"/>
+          <p:nvPr/>
+        </p:nvSpPr>
+        <p:spPr>
+          <a:xfrm>
+            <a:off x="2682627" y="3789040"/>
+            <a:ext cx="504056" cy="369332"/>
+          </a:xfrm>
+          <a:prstGeom prst="rect">
+            <a:avLst/>
+          </a:prstGeom>
+          <a:noFill/>
+        </p:spPr>
+        <p:txBody>
+          <a:bodyPr wrap="square" rtlCol="0">
+            <a:spAutoFit/>
+          </a:bodyPr>
+          <a:lstStyle/>
+          <a:p>
+            <a:r>
+              <a:rPr kumimoji="1" lang="ja-JP" altLang="en-US" dirty="0" smtClean="0"/>
+              <a:t>有</a:t>
+            </a:r>
+            <a:endParaRPr kumimoji="1" lang="ja-JP" altLang="en-US" dirty="0"/>
+          </a:p>
+        </p:txBody>
+      </p:sp>
+      <p:sp>
+        <p:nvSpPr>
+          <p:cNvPr id="24" name="テキスト ボックス 23"/>
+          <p:cNvSpPr txBox="1"/>
+          <p:nvPr/>
+        </p:nvSpPr>
+        <p:spPr>
+          <a:xfrm>
+            <a:off x="3690739" y="3801988"/>
+            <a:ext cx="576064" cy="369332"/>
+          </a:xfrm>
+          <a:prstGeom prst="rect">
+            <a:avLst/>
+          </a:prstGeom>
+          <a:noFill/>
+        </p:spPr>
+        <p:txBody>
+          <a:bodyPr wrap="square" rtlCol="0">
+            <a:spAutoFit/>
+          </a:bodyPr>
+          <a:lstStyle/>
+          <a:p>
+            <a:r>
+              <a:rPr lang="ja-JP" altLang="en-US" dirty="0"/>
+              <a:t>無</a:t>
+            </a:r>
+            <a:endParaRPr kumimoji="1" lang="ja-JP" altLang="en-US" dirty="0"/>
+          </a:p>
+        </p:txBody>
+      </p:sp>
+      <p:sp>
+        <p:nvSpPr>
+          <p:cNvPr id="25" name="円/楕円 24"/>
+          <p:cNvSpPr/>
+          <p:nvPr/>
+        </p:nvSpPr>
+        <p:spPr>
+          <a:xfrm>
+            <a:off x="3186683" y="3851391"/>
+            <a:ext cx="305196" cy="270525"/>
+          </a:xfrm>
+          <a:prstGeom prst="ellipse">
+            <a:avLst/>
+          </a:prstGeom>
+          <a:solidFill>
+            <a:schemeClr val="bg1"/>
+          </a:solidFill>
+        </p:spPr>
+        <p:style>
+          <a:lnRef idx="2">
+            <a:schemeClr val="dk1">
+              <a:shade val="50000"/>
+            </a:schemeClr>
+          </a:lnRef>
+          <a:fillRef idx="1">
+            <a:schemeClr val="dk1"/>
+          </a:fillRef>
+          <a:effectRef idx="0">
+            <a:schemeClr val="dk1"/>
+          </a:effectRef>
+          <a:fontRef idx="minor">
+            <a:schemeClr val="lt1"/>
+          </a:fontRef>
+        </p:style>
+        <p:txBody>
+          <a:bodyPr rtlCol="0" anchor="ctr"/>
+          <a:lstStyle/>
+          <a:p>
+            <a:pPr algn="ctr"/>
+            <a:endParaRPr kumimoji="1" lang="ja-JP" altLang="en-US"/>
+          </a:p>
+        </p:txBody>
+      </p:sp>
+      <p:sp>
+        <p:nvSpPr>
+          <p:cNvPr id="26" name="円/楕円 25"/>
+          <p:cNvSpPr/>
+          <p:nvPr/>
+        </p:nvSpPr>
+        <p:spPr>
+          <a:xfrm>
+            <a:off x="4114205" y="3838443"/>
+            <a:ext cx="305196" cy="270525"/>
+          </a:xfrm>
+          <a:prstGeom prst="ellipse">
+            <a:avLst/>
+          </a:prstGeom>
+          <a:solidFill>
+            <a:schemeClr val="bg1"/>
+          </a:solidFill>
+        </p:spPr>
+        <p:style>
+          <a:lnRef idx="2">
+            <a:schemeClr val="dk1">
+              <a:shade val="50000"/>
+            </a:schemeClr>
+          </a:lnRef>
+          <a:fillRef idx="1">
+            <a:schemeClr val="dk1"/>
+          </a:fillRef>
+          <a:effectRef idx="0">
+            <a:schemeClr val="dk1"/>
+          </a:effectRef>
+          <a:fontRef idx="minor">
+            <a:schemeClr val="lt1"/>
+          </a:fontRef>
+        </p:style>
+        <p:txBody>
+          <a:bodyPr rtlCol="0" anchor="ctr"/>
+          <a:lstStyle/>
+          <a:p>
+            <a:pPr algn="ctr"/>
+            <a:endParaRPr kumimoji="1" lang="ja-JP" altLang="en-US"/>
+          </a:p>
+        </p:txBody>
+      </p:sp>
+      <p:sp>
+        <p:nvSpPr>
+          <p:cNvPr id="27" name="円/楕円 26"/>
+          <p:cNvSpPr/>
+          <p:nvPr/>
+        </p:nvSpPr>
+        <p:spPr>
+          <a:xfrm>
+            <a:off x="3278134" y="3941330"/>
+            <a:ext cx="112303" cy="90647"/>
+          </a:xfrm>
+          <a:prstGeom prst="ellipse">
+            <a:avLst/>
+          </a:prstGeom>
+        </p:spPr>
+        <p:style>
+          <a:lnRef idx="2">
+            <a:schemeClr val="dk1">
+              <a:shade val="50000"/>
+            </a:schemeClr>
+          </a:lnRef>
+          <a:fillRef idx="1">
+            <a:schemeClr val="dk1"/>
+          </a:fillRef>
+          <a:effectRef idx="0">
+            <a:schemeClr val="dk1"/>
+          </a:effectRef>
+          <a:fontRef idx="minor">
+            <a:schemeClr val="lt1"/>
+          </a:fontRef>
+        </p:style>
+        <p:txBody>
+          <a:bodyPr rtlCol="0" anchor="ctr"/>
+          <a:lstStyle/>
+          <a:p>
+            <a:pPr algn="ctr"/>
+            <a:endParaRPr kumimoji="1" lang="ja-JP" altLang="en-US"/>
           </a:p>
         </p:txBody>
       </p:sp>
@@ -5507,12 +5733,12 @@
           <a:graphicData uri="http://schemas.openxmlformats.org/presentationml/2006/ole">
             <mc:AlternateContent xmlns:mc="http://schemas.openxmlformats.org/markup-compatibility/2006">
               <mc:Choice xmlns:v="urn:schemas-microsoft-com:vml" Requires="v">
-                <p:oleObj spid="_x0000_s5124" name="ワークシート" r:id="rId4" imgW="3219444" imgH="676350" progId="Excel.Sheet.12">
+                <p:oleObj spid="_x0000_s5136" name="ワークシート" r:id="rId3" imgW="3219444" imgH="676350" progId="Excel.Sheet.12">
                   <p:embed/>
                 </p:oleObj>
               </mc:Choice>
               <mc:Fallback>
-                <p:oleObj name="ワークシート" r:id="rId4" imgW="3219444" imgH="676350" progId="Excel.Sheet.12">
+                <p:oleObj name="ワークシート" r:id="rId3" imgW="3219444" imgH="676350" progId="Excel.Sheet.12">
                   <p:embed/>
                   <p:pic>
                     <p:nvPicPr>
@@ -5521,7 +5747,7 @@
                       <p:nvPr/>
                     </p:nvPicPr>
                     <p:blipFill>
-                      <a:blip r:embed="rId5"/>
+                      <a:blip r:embed="rId4"/>
                       <a:stretch>
                         <a:fillRect/>
                       </a:stretch>
@@ -5976,7 +6202,7 @@
           <a:graphicData uri="http://schemas.openxmlformats.org/presentationml/2006/ole">
             <mc:AlternateContent xmlns:mc="http://schemas.openxmlformats.org/markup-compatibility/2006">
               <mc:Choice xmlns:v="urn:schemas-microsoft-com:vml" Requires="v">
-                <p:oleObj spid="_x0000_s6147" name="ワークシート" r:id="rId3" imgW="2209687" imgH="723870" progId="Excel.Sheet.12">
+                <p:oleObj spid="_x0000_s6159" name="ワークシート" r:id="rId3" imgW="2209687" imgH="723870" progId="Excel.Sheet.12">
                   <p:embed/>
                 </p:oleObj>
               </mc:Choice>
@@ -6045,6 +6271,2219 @@
     <p:extLst>
       <p:ext uri="{BB962C8B-B14F-4D97-AF65-F5344CB8AC3E}">
         <p14:creationId xmlns:p14="http://schemas.microsoft.com/office/powerpoint/2010/main" val="3751995326"/>
+      </p:ext>
+    </p:extLst>
+  </p:cSld>
+  <p:clrMapOvr>
+    <a:masterClrMapping/>
+  </p:clrMapOvr>
+  <p:timing>
+    <p:tnLst>
+      <p:par>
+        <p:cTn id="1" dur="indefinite" restart="never" nodeType="tmRoot"/>
+      </p:par>
+    </p:tnLst>
+  </p:timing>
+</p:sld>
+</file>
+
+<file path=ppt/slides/slide13.xml><?xml version="1.0" encoding="utf-8"?>
+<p:sld xmlns:a="http://schemas.openxmlformats.org/drawingml/2006/main" xmlns:r="http://schemas.openxmlformats.org/officeDocument/2006/relationships" xmlns:p="http://schemas.openxmlformats.org/presentationml/2006/main">
+  <p:cSld>
+    <p:spTree>
+      <p:nvGrpSpPr>
+        <p:cNvPr id="1" name=""/>
+        <p:cNvGrpSpPr/>
+        <p:nvPr/>
+      </p:nvGrpSpPr>
+      <p:grpSpPr>
+        <a:xfrm>
+          <a:off x="0" y="0"/>
+          <a:ext cx="0" cy="0"/>
+          <a:chOff x="0" y="0"/>
+          <a:chExt cx="0" cy="0"/>
+        </a:xfrm>
+      </p:grpSpPr>
+      <p:sp>
+        <p:nvSpPr>
+          <p:cNvPr id="2" name="テキスト ボックス 1"/>
+          <p:cNvSpPr txBox="1"/>
+          <p:nvPr/>
+        </p:nvSpPr>
+        <p:spPr>
+          <a:xfrm>
+            <a:off x="107504" y="115412"/>
+            <a:ext cx="2736304" cy="369332"/>
+          </a:xfrm>
+          <a:prstGeom prst="rect">
+            <a:avLst/>
+          </a:prstGeom>
+          <a:noFill/>
+        </p:spPr>
+        <p:txBody>
+          <a:bodyPr wrap="square" rtlCol="0">
+            <a:spAutoFit/>
+          </a:bodyPr>
+          <a:lstStyle/>
+          <a:p>
+            <a:r>
+              <a:rPr kumimoji="1" lang="ja-JP" altLang="en-US" dirty="0" smtClean="0"/>
+              <a:t>質問管理表</a:t>
+            </a:r>
+            <a:endParaRPr kumimoji="1" lang="ja-JP" altLang="en-US" dirty="0"/>
+          </a:p>
+        </p:txBody>
+      </p:sp>
+      <p:sp>
+        <p:nvSpPr>
+          <p:cNvPr id="3" name="テキスト ボックス 2"/>
+          <p:cNvSpPr txBox="1"/>
+          <p:nvPr/>
+        </p:nvSpPr>
+        <p:spPr>
+          <a:xfrm>
+            <a:off x="323528" y="620688"/>
+            <a:ext cx="2232248" cy="369332"/>
+          </a:xfrm>
+          <a:prstGeom prst="rect">
+            <a:avLst/>
+          </a:prstGeom>
+          <a:noFill/>
+        </p:spPr>
+        <p:txBody>
+          <a:bodyPr wrap="square" rtlCol="0">
+            <a:spAutoFit/>
+          </a:bodyPr>
+          <a:lstStyle/>
+          <a:p>
+            <a:r>
+              <a:rPr lang="ja-JP" altLang="en-US" dirty="0"/>
+              <a:t>メニュー</a:t>
+            </a:r>
+            <a:endParaRPr kumimoji="1" lang="ja-JP" altLang="en-US" dirty="0"/>
+          </a:p>
+        </p:txBody>
+      </p:sp>
+      <p:sp>
+        <p:nvSpPr>
+          <p:cNvPr id="6" name="テキスト ボックス 5"/>
+          <p:cNvSpPr txBox="1"/>
+          <p:nvPr/>
+        </p:nvSpPr>
+        <p:spPr>
+          <a:xfrm>
+            <a:off x="395536" y="2708920"/>
+            <a:ext cx="648072" cy="369332"/>
+          </a:xfrm>
+          <a:prstGeom prst="rect">
+            <a:avLst/>
+          </a:prstGeom>
+          <a:noFill/>
+        </p:spPr>
+        <p:txBody>
+          <a:bodyPr wrap="square" rtlCol="0">
+            <a:spAutoFit/>
+          </a:bodyPr>
+          <a:lstStyle/>
+          <a:p>
+            <a:r>
+              <a:rPr kumimoji="1" lang="ja-JP" altLang="en-US" dirty="0" smtClean="0"/>
+              <a:t>戻る</a:t>
+            </a:r>
+            <a:endParaRPr kumimoji="1" lang="ja-JP" altLang="en-US" dirty="0"/>
+          </a:p>
+        </p:txBody>
+      </p:sp>
+      <p:sp>
+        <p:nvSpPr>
+          <p:cNvPr id="5" name="テキスト ボックス 4"/>
+          <p:cNvSpPr txBox="1"/>
+          <p:nvPr/>
+        </p:nvSpPr>
+        <p:spPr>
+          <a:xfrm>
+            <a:off x="539552" y="1196752"/>
+            <a:ext cx="2160240" cy="369332"/>
+          </a:xfrm>
+          <a:prstGeom prst="rect">
+            <a:avLst/>
+          </a:prstGeom>
+          <a:noFill/>
+        </p:spPr>
+        <p:txBody>
+          <a:bodyPr wrap="square" rtlCol="0">
+            <a:spAutoFit/>
+          </a:bodyPr>
+          <a:lstStyle/>
+          <a:p>
+            <a:r>
+              <a:rPr kumimoji="1" lang="ja-JP" altLang="en-US" dirty="0" smtClean="0"/>
+              <a:t>利用者管理</a:t>
+            </a:r>
+            <a:endParaRPr kumimoji="1" lang="ja-JP" altLang="en-US" dirty="0"/>
+          </a:p>
+        </p:txBody>
+      </p:sp>
+      <p:sp>
+        <p:nvSpPr>
+          <p:cNvPr id="7" name="テキスト ボックス 6"/>
+          <p:cNvSpPr txBox="1"/>
+          <p:nvPr/>
+        </p:nvSpPr>
+        <p:spPr>
+          <a:xfrm>
+            <a:off x="539552" y="1772816"/>
+            <a:ext cx="1584176" cy="369332"/>
+          </a:xfrm>
+          <a:prstGeom prst="rect">
+            <a:avLst/>
+          </a:prstGeom>
+          <a:noFill/>
+        </p:spPr>
+        <p:txBody>
+          <a:bodyPr wrap="square" rtlCol="0">
+            <a:spAutoFit/>
+          </a:bodyPr>
+          <a:lstStyle/>
+          <a:p>
+            <a:r>
+              <a:rPr lang="ja-JP" altLang="en-US" dirty="0" smtClean="0"/>
+              <a:t>案件</a:t>
+            </a:r>
+            <a:r>
+              <a:rPr lang="ja-JP" altLang="en-US" dirty="0"/>
+              <a:t>選択</a:t>
+            </a:r>
+            <a:endParaRPr kumimoji="1" lang="ja-JP" altLang="en-US" dirty="0"/>
+          </a:p>
+        </p:txBody>
+      </p:sp>
+    </p:spTree>
+    <p:extLst>
+      <p:ext uri="{BB962C8B-B14F-4D97-AF65-F5344CB8AC3E}">
+        <p14:creationId xmlns:p14="http://schemas.microsoft.com/office/powerpoint/2010/main" val="154297598"/>
+      </p:ext>
+    </p:extLst>
+  </p:cSld>
+  <p:clrMapOvr>
+    <a:masterClrMapping/>
+  </p:clrMapOvr>
+  <p:timing>
+    <p:tnLst>
+      <p:par>
+        <p:cTn id="1" dur="indefinite" restart="never" nodeType="tmRoot"/>
+      </p:par>
+    </p:tnLst>
+  </p:timing>
+</p:sld>
+</file>
+
+<file path=ppt/slides/slide14.xml><?xml version="1.0" encoding="utf-8"?>
+<p:sld xmlns:a="http://schemas.openxmlformats.org/drawingml/2006/main" xmlns:r="http://schemas.openxmlformats.org/officeDocument/2006/relationships" xmlns:p="http://schemas.openxmlformats.org/presentationml/2006/main">
+  <p:cSld>
+    <p:spTree>
+      <p:nvGrpSpPr>
+        <p:cNvPr id="1" name=""/>
+        <p:cNvGrpSpPr/>
+        <p:nvPr/>
+      </p:nvGrpSpPr>
+      <p:grpSpPr>
+        <a:xfrm>
+          <a:off x="0" y="0"/>
+          <a:ext cx="0" cy="0"/>
+          <a:chOff x="0" y="0"/>
+          <a:chExt cx="0" cy="0"/>
+        </a:xfrm>
+      </p:grpSpPr>
+      <p:sp>
+        <p:nvSpPr>
+          <p:cNvPr id="2" name="テキスト ボックス 1"/>
+          <p:cNvSpPr txBox="1"/>
+          <p:nvPr/>
+        </p:nvSpPr>
+        <p:spPr>
+          <a:xfrm>
+            <a:off x="107504" y="115412"/>
+            <a:ext cx="2736304" cy="369332"/>
+          </a:xfrm>
+          <a:prstGeom prst="rect">
+            <a:avLst/>
+          </a:prstGeom>
+          <a:noFill/>
+        </p:spPr>
+        <p:txBody>
+          <a:bodyPr wrap="square" rtlCol="0">
+            <a:spAutoFit/>
+          </a:bodyPr>
+          <a:lstStyle/>
+          <a:p>
+            <a:r>
+              <a:rPr kumimoji="1" lang="ja-JP" altLang="en-US" dirty="0" smtClean="0"/>
+              <a:t>質問管理表</a:t>
+            </a:r>
+            <a:endParaRPr kumimoji="1" lang="ja-JP" altLang="en-US" dirty="0"/>
+          </a:p>
+        </p:txBody>
+      </p:sp>
+      <p:sp>
+        <p:nvSpPr>
+          <p:cNvPr id="3" name="テキスト ボックス 2"/>
+          <p:cNvSpPr txBox="1"/>
+          <p:nvPr/>
+        </p:nvSpPr>
+        <p:spPr>
+          <a:xfrm>
+            <a:off x="323528" y="620688"/>
+            <a:ext cx="2232248" cy="369332"/>
+          </a:xfrm>
+          <a:prstGeom prst="rect">
+            <a:avLst/>
+          </a:prstGeom>
+          <a:noFill/>
+        </p:spPr>
+        <p:txBody>
+          <a:bodyPr wrap="square" rtlCol="0">
+            <a:spAutoFit/>
+          </a:bodyPr>
+          <a:lstStyle/>
+          <a:p>
+            <a:r>
+              <a:rPr lang="ja-JP" altLang="en-US" dirty="0" smtClean="0"/>
+              <a:t>案件一覧</a:t>
+            </a:r>
+            <a:endParaRPr kumimoji="1" lang="ja-JP" altLang="en-US" dirty="0"/>
+          </a:p>
+        </p:txBody>
+      </p:sp>
+      <p:sp>
+        <p:nvSpPr>
+          <p:cNvPr id="6" name="テキスト ボックス 5"/>
+          <p:cNvSpPr txBox="1"/>
+          <p:nvPr/>
+        </p:nvSpPr>
+        <p:spPr>
+          <a:xfrm>
+            <a:off x="539552" y="3861048"/>
+            <a:ext cx="648072" cy="369332"/>
+          </a:xfrm>
+          <a:prstGeom prst="rect">
+            <a:avLst/>
+          </a:prstGeom>
+          <a:noFill/>
+        </p:spPr>
+        <p:txBody>
+          <a:bodyPr wrap="square" rtlCol="0">
+            <a:spAutoFit/>
+          </a:bodyPr>
+          <a:lstStyle/>
+          <a:p>
+            <a:r>
+              <a:rPr kumimoji="1" lang="ja-JP" altLang="en-US" dirty="0" smtClean="0"/>
+              <a:t>戻る</a:t>
+            </a:r>
+            <a:endParaRPr kumimoji="1" lang="ja-JP" altLang="en-US" dirty="0"/>
+          </a:p>
+        </p:txBody>
+      </p:sp>
+      <p:sp>
+        <p:nvSpPr>
+          <p:cNvPr id="4" name="四角形吹き出し 3"/>
+          <p:cNvSpPr/>
+          <p:nvPr/>
+        </p:nvSpPr>
+        <p:spPr>
+          <a:xfrm>
+            <a:off x="1907704" y="3501008"/>
+            <a:ext cx="3528392" cy="864096"/>
+          </a:xfrm>
+          <a:prstGeom prst="wedgeRectCallout">
+            <a:avLst>
+              <a:gd name="adj1" fmla="val -53980"/>
+              <a:gd name="adj2" fmla="val -171179"/>
+            </a:avLst>
+          </a:prstGeom>
+          <a:solidFill>
+            <a:schemeClr val="bg1"/>
+          </a:solidFill>
+        </p:spPr>
+        <p:style>
+          <a:lnRef idx="2">
+            <a:schemeClr val="accent1">
+              <a:shade val="50000"/>
+            </a:schemeClr>
+          </a:lnRef>
+          <a:fillRef idx="1">
+            <a:schemeClr val="accent1"/>
+          </a:fillRef>
+          <a:effectRef idx="0">
+            <a:schemeClr val="accent1"/>
+          </a:effectRef>
+          <a:fontRef idx="minor">
+            <a:schemeClr val="lt1"/>
+          </a:fontRef>
+        </p:style>
+        <p:txBody>
+          <a:bodyPr rtlCol="0" anchor="ctr"/>
+          <a:lstStyle/>
+          <a:p>
+            <a:r>
+              <a:rPr lang="ja-JP" altLang="en-US" dirty="0">
+                <a:solidFill>
+                  <a:schemeClr val="tx1"/>
+                </a:solidFill>
+              </a:rPr>
+              <a:t>案件</a:t>
+            </a:r>
+            <a:r>
+              <a:rPr lang="ja-JP" altLang="en-US" dirty="0" smtClean="0">
+                <a:solidFill>
+                  <a:schemeClr val="tx1"/>
+                </a:solidFill>
+              </a:rPr>
+              <a:t>のタイトルをクリックすることで案件別の質問一覧画面へ遷移</a:t>
+            </a:r>
+            <a:endParaRPr kumimoji="1" lang="ja-JP" altLang="en-US" dirty="0">
+              <a:solidFill>
+                <a:schemeClr val="tx1"/>
+              </a:solidFill>
+            </a:endParaRPr>
+          </a:p>
+        </p:txBody>
+      </p:sp>
+      <p:sp>
+        <p:nvSpPr>
+          <p:cNvPr id="9" name="角丸四角形 8"/>
+          <p:cNvSpPr/>
+          <p:nvPr/>
+        </p:nvSpPr>
+        <p:spPr>
+          <a:xfrm>
+            <a:off x="539552" y="1182187"/>
+            <a:ext cx="1296144" cy="350748"/>
+          </a:xfrm>
+          <a:prstGeom prst="roundRect">
+            <a:avLst/>
+          </a:prstGeom>
+          <a:solidFill>
+            <a:schemeClr val="tx2">
+              <a:lumMod val="20000"/>
+              <a:lumOff val="80000"/>
+            </a:schemeClr>
+          </a:solidFill>
+          <a:ln w="12700">
+            <a:solidFill>
+              <a:schemeClr val="tx1"/>
+            </a:solidFill>
+          </a:ln>
+        </p:spPr>
+        <p:style>
+          <a:lnRef idx="2">
+            <a:schemeClr val="accent1">
+              <a:shade val="50000"/>
+            </a:schemeClr>
+          </a:lnRef>
+          <a:fillRef idx="1">
+            <a:schemeClr val="accent1"/>
+          </a:fillRef>
+          <a:effectRef idx="0">
+            <a:schemeClr val="accent1"/>
+          </a:effectRef>
+          <a:fontRef idx="minor">
+            <a:schemeClr val="lt1"/>
+          </a:fontRef>
+        </p:style>
+        <p:txBody>
+          <a:bodyPr rtlCol="0" anchor="ctr"/>
+          <a:lstStyle/>
+          <a:p>
+            <a:pPr algn="ctr"/>
+            <a:r>
+              <a:rPr kumimoji="1" lang="ja-JP" altLang="en-US" dirty="0" smtClean="0">
+                <a:solidFill>
+                  <a:schemeClr val="tx1"/>
+                </a:solidFill>
+              </a:rPr>
+              <a:t>新規登録</a:t>
+            </a:r>
+            <a:endParaRPr kumimoji="1" lang="ja-JP" altLang="en-US" dirty="0">
+              <a:solidFill>
+                <a:schemeClr val="tx1"/>
+              </a:solidFill>
+            </a:endParaRPr>
+          </a:p>
+        </p:txBody>
+      </p:sp>
+      <p:graphicFrame>
+        <p:nvGraphicFramePr>
+          <p:cNvPr id="10" name="オブジェクト 9"/>
+          <p:cNvGraphicFramePr>
+            <a:graphicFrameLocks noChangeAspect="1"/>
+          </p:cNvGraphicFramePr>
+          <p:nvPr>
+            <p:extLst>
+              <p:ext uri="{D42A27DB-BD31-4B8C-83A1-F6EECF244321}">
+                <p14:modId xmlns:p14="http://schemas.microsoft.com/office/powerpoint/2010/main" val="842224493"/>
+              </p:ext>
+            </p:extLst>
+          </p:nvPr>
+        </p:nvGraphicFramePr>
+        <p:xfrm>
+          <a:off x="557213" y="1916113"/>
+          <a:ext cx="5819775" cy="1295400"/>
+        </p:xfrm>
+        <a:graphic>
+          <a:graphicData uri="http://schemas.openxmlformats.org/presentationml/2006/ole">
+            <mc:AlternateContent xmlns:mc="http://schemas.openxmlformats.org/markup-compatibility/2006">
+              <mc:Choice xmlns:v="urn:schemas-microsoft-com:vml" Requires="v">
+                <p:oleObj spid="_x0000_s8203" name="ワークシート" r:id="rId3" imgW="5819744" imgH="1295460" progId="Excel.Sheet.12">
+                  <p:embed/>
+                </p:oleObj>
+              </mc:Choice>
+              <mc:Fallback>
+                <p:oleObj name="ワークシート" r:id="rId3" imgW="5819744" imgH="1295460" progId="Excel.Sheet.12">
+                  <p:embed/>
+                  <p:pic>
+                    <p:nvPicPr>
+                      <p:cNvPr id="0" name=""/>
+                      <p:cNvPicPr/>
+                      <p:nvPr/>
+                    </p:nvPicPr>
+                    <p:blipFill>
+                      <a:blip r:embed="rId4"/>
+                      <a:stretch>
+                        <a:fillRect/>
+                      </a:stretch>
+                    </p:blipFill>
+                    <p:spPr>
+                      <a:xfrm>
+                        <a:off x="557213" y="1916113"/>
+                        <a:ext cx="5819775" cy="1295400"/>
+                      </a:xfrm>
+                      <a:prstGeom prst="rect">
+                        <a:avLst/>
+                      </a:prstGeom>
+                    </p:spPr>
+                  </p:pic>
+                </p:oleObj>
+              </mc:Fallback>
+            </mc:AlternateContent>
+          </a:graphicData>
+        </a:graphic>
+      </p:graphicFrame>
+      <p:sp>
+        <p:nvSpPr>
+          <p:cNvPr id="11" name="角丸四角形 10"/>
+          <p:cNvSpPr/>
+          <p:nvPr/>
+        </p:nvSpPr>
+        <p:spPr>
+          <a:xfrm>
+            <a:off x="4644008" y="2218395"/>
+            <a:ext cx="720080" cy="360040"/>
+          </a:xfrm>
+          <a:prstGeom prst="roundRect">
+            <a:avLst/>
+          </a:prstGeom>
+          <a:solidFill>
+            <a:schemeClr val="tx2">
+              <a:lumMod val="20000"/>
+              <a:lumOff val="80000"/>
+            </a:schemeClr>
+          </a:solidFill>
+          <a:ln w="12700">
+            <a:solidFill>
+              <a:schemeClr val="tx1"/>
+            </a:solidFill>
+          </a:ln>
+        </p:spPr>
+        <p:style>
+          <a:lnRef idx="2">
+            <a:schemeClr val="accent1">
+              <a:shade val="50000"/>
+            </a:schemeClr>
+          </a:lnRef>
+          <a:fillRef idx="1">
+            <a:schemeClr val="accent1"/>
+          </a:fillRef>
+          <a:effectRef idx="0">
+            <a:schemeClr val="accent1"/>
+          </a:effectRef>
+          <a:fontRef idx="minor">
+            <a:schemeClr val="lt1"/>
+          </a:fontRef>
+        </p:style>
+        <p:txBody>
+          <a:bodyPr rtlCol="0" anchor="ctr"/>
+          <a:lstStyle/>
+          <a:p>
+            <a:pPr algn="ctr"/>
+            <a:r>
+              <a:rPr lang="ja-JP" altLang="en-US" sz="1400" dirty="0">
+                <a:solidFill>
+                  <a:schemeClr val="tx1"/>
+                </a:solidFill>
+              </a:rPr>
+              <a:t>詳細</a:t>
+            </a:r>
+            <a:endParaRPr kumimoji="1" lang="ja-JP" altLang="en-US" sz="1400" dirty="0">
+              <a:solidFill>
+                <a:schemeClr val="tx1"/>
+              </a:solidFill>
+            </a:endParaRPr>
+          </a:p>
+        </p:txBody>
+      </p:sp>
+      <p:sp>
+        <p:nvSpPr>
+          <p:cNvPr id="12" name="角丸四角形 11"/>
+          <p:cNvSpPr/>
+          <p:nvPr/>
+        </p:nvSpPr>
+        <p:spPr>
+          <a:xfrm>
+            <a:off x="5534744" y="2219722"/>
+            <a:ext cx="720080" cy="360040"/>
+          </a:xfrm>
+          <a:prstGeom prst="roundRect">
+            <a:avLst/>
+          </a:prstGeom>
+          <a:solidFill>
+            <a:schemeClr val="tx2">
+              <a:lumMod val="20000"/>
+              <a:lumOff val="80000"/>
+            </a:schemeClr>
+          </a:solidFill>
+          <a:ln w="12700">
+            <a:solidFill>
+              <a:schemeClr val="tx1"/>
+            </a:solidFill>
+          </a:ln>
+        </p:spPr>
+        <p:style>
+          <a:lnRef idx="2">
+            <a:schemeClr val="accent1">
+              <a:shade val="50000"/>
+            </a:schemeClr>
+          </a:lnRef>
+          <a:fillRef idx="1">
+            <a:schemeClr val="accent1"/>
+          </a:fillRef>
+          <a:effectRef idx="0">
+            <a:schemeClr val="accent1"/>
+          </a:effectRef>
+          <a:fontRef idx="minor">
+            <a:schemeClr val="lt1"/>
+          </a:fontRef>
+        </p:style>
+        <p:txBody>
+          <a:bodyPr rtlCol="0" anchor="ctr"/>
+          <a:lstStyle/>
+          <a:p>
+            <a:pPr algn="ctr"/>
+            <a:r>
+              <a:rPr lang="ja-JP" altLang="en-US" sz="1400" dirty="0">
+                <a:solidFill>
+                  <a:schemeClr val="tx1"/>
+                </a:solidFill>
+              </a:rPr>
+              <a:t>削除</a:t>
+            </a:r>
+            <a:endParaRPr kumimoji="1" lang="ja-JP" altLang="en-US" sz="1400" dirty="0">
+              <a:solidFill>
+                <a:schemeClr val="tx1"/>
+              </a:solidFill>
+            </a:endParaRPr>
+          </a:p>
+        </p:txBody>
+      </p:sp>
+      <p:sp>
+        <p:nvSpPr>
+          <p:cNvPr id="13" name="角丸四角形 12"/>
+          <p:cNvSpPr/>
+          <p:nvPr/>
+        </p:nvSpPr>
+        <p:spPr>
+          <a:xfrm>
+            <a:off x="4644008" y="2732162"/>
+            <a:ext cx="720080" cy="360040"/>
+          </a:xfrm>
+          <a:prstGeom prst="roundRect">
+            <a:avLst/>
+          </a:prstGeom>
+          <a:solidFill>
+            <a:schemeClr val="tx2">
+              <a:lumMod val="20000"/>
+              <a:lumOff val="80000"/>
+            </a:schemeClr>
+          </a:solidFill>
+          <a:ln w="12700">
+            <a:solidFill>
+              <a:schemeClr val="tx1"/>
+            </a:solidFill>
+          </a:ln>
+        </p:spPr>
+        <p:style>
+          <a:lnRef idx="2">
+            <a:schemeClr val="accent1">
+              <a:shade val="50000"/>
+            </a:schemeClr>
+          </a:lnRef>
+          <a:fillRef idx="1">
+            <a:schemeClr val="accent1"/>
+          </a:fillRef>
+          <a:effectRef idx="0">
+            <a:schemeClr val="accent1"/>
+          </a:effectRef>
+          <a:fontRef idx="minor">
+            <a:schemeClr val="lt1"/>
+          </a:fontRef>
+        </p:style>
+        <p:txBody>
+          <a:bodyPr rtlCol="0" anchor="ctr"/>
+          <a:lstStyle/>
+          <a:p>
+            <a:pPr algn="ctr"/>
+            <a:r>
+              <a:rPr lang="ja-JP" altLang="en-US" sz="1400" dirty="0">
+                <a:solidFill>
+                  <a:schemeClr val="tx1"/>
+                </a:solidFill>
+              </a:rPr>
+              <a:t>詳細</a:t>
+            </a:r>
+            <a:endParaRPr kumimoji="1" lang="ja-JP" altLang="en-US" sz="1400" dirty="0">
+              <a:solidFill>
+                <a:schemeClr val="tx1"/>
+              </a:solidFill>
+            </a:endParaRPr>
+          </a:p>
+        </p:txBody>
+      </p:sp>
+      <p:sp>
+        <p:nvSpPr>
+          <p:cNvPr id="14" name="角丸四角形 13"/>
+          <p:cNvSpPr/>
+          <p:nvPr/>
+        </p:nvSpPr>
+        <p:spPr>
+          <a:xfrm>
+            <a:off x="5534744" y="2733489"/>
+            <a:ext cx="720080" cy="360040"/>
+          </a:xfrm>
+          <a:prstGeom prst="roundRect">
+            <a:avLst/>
+          </a:prstGeom>
+          <a:solidFill>
+            <a:schemeClr val="tx2">
+              <a:lumMod val="20000"/>
+              <a:lumOff val="80000"/>
+            </a:schemeClr>
+          </a:solidFill>
+          <a:ln w="12700">
+            <a:solidFill>
+              <a:schemeClr val="tx1"/>
+            </a:solidFill>
+          </a:ln>
+        </p:spPr>
+        <p:style>
+          <a:lnRef idx="2">
+            <a:schemeClr val="accent1">
+              <a:shade val="50000"/>
+            </a:schemeClr>
+          </a:lnRef>
+          <a:fillRef idx="1">
+            <a:schemeClr val="accent1"/>
+          </a:fillRef>
+          <a:effectRef idx="0">
+            <a:schemeClr val="accent1"/>
+          </a:effectRef>
+          <a:fontRef idx="minor">
+            <a:schemeClr val="lt1"/>
+          </a:fontRef>
+        </p:style>
+        <p:txBody>
+          <a:bodyPr rtlCol="0" anchor="ctr"/>
+          <a:lstStyle/>
+          <a:p>
+            <a:pPr algn="ctr"/>
+            <a:r>
+              <a:rPr lang="ja-JP" altLang="en-US" sz="1400" dirty="0">
+                <a:solidFill>
+                  <a:schemeClr val="tx1"/>
+                </a:solidFill>
+              </a:rPr>
+              <a:t>削除</a:t>
+            </a:r>
+            <a:endParaRPr kumimoji="1" lang="ja-JP" altLang="en-US" sz="1400" dirty="0">
+              <a:solidFill>
+                <a:schemeClr val="tx1"/>
+              </a:solidFill>
+            </a:endParaRPr>
+          </a:p>
+        </p:txBody>
+      </p:sp>
+      <p:sp>
+        <p:nvSpPr>
+          <p:cNvPr id="15" name="四角形吹き出し 14"/>
+          <p:cNvSpPr/>
+          <p:nvPr/>
+        </p:nvSpPr>
+        <p:spPr>
+          <a:xfrm>
+            <a:off x="5796136" y="678131"/>
+            <a:ext cx="2565648" cy="854804"/>
+          </a:xfrm>
+          <a:prstGeom prst="wedgeRectCallout">
+            <a:avLst>
+              <a:gd name="adj1" fmla="val -49541"/>
+              <a:gd name="adj2" fmla="val 118132"/>
+            </a:avLst>
+          </a:prstGeom>
+          <a:solidFill>
+            <a:schemeClr val="bg1"/>
+          </a:solidFill>
+        </p:spPr>
+        <p:style>
+          <a:lnRef idx="2">
+            <a:schemeClr val="accent1">
+              <a:shade val="50000"/>
+            </a:schemeClr>
+          </a:lnRef>
+          <a:fillRef idx="1">
+            <a:schemeClr val="accent1"/>
+          </a:fillRef>
+          <a:effectRef idx="0">
+            <a:schemeClr val="accent1"/>
+          </a:effectRef>
+          <a:fontRef idx="minor">
+            <a:schemeClr val="lt1"/>
+          </a:fontRef>
+        </p:style>
+        <p:txBody>
+          <a:bodyPr rtlCol="0" anchor="ctr"/>
+          <a:lstStyle/>
+          <a:p>
+            <a:r>
+              <a:rPr lang="ja-JP" altLang="en-US" dirty="0" smtClean="0">
+                <a:solidFill>
+                  <a:schemeClr val="tx1"/>
+                </a:solidFill>
+              </a:rPr>
+              <a:t>管理者権限のある利用者のみ表示させる</a:t>
+            </a:r>
+            <a:endParaRPr kumimoji="1" lang="ja-JP" altLang="en-US" dirty="0">
+              <a:solidFill>
+                <a:schemeClr val="tx1"/>
+              </a:solidFill>
+            </a:endParaRPr>
+          </a:p>
+        </p:txBody>
+      </p:sp>
+      <p:sp>
+        <p:nvSpPr>
+          <p:cNvPr id="16" name="四角形吹き出し 15"/>
+          <p:cNvSpPr/>
+          <p:nvPr/>
+        </p:nvSpPr>
+        <p:spPr>
+          <a:xfrm>
+            <a:off x="2969096" y="562618"/>
+            <a:ext cx="2565648" cy="854804"/>
+          </a:xfrm>
+          <a:prstGeom prst="wedgeRectCallout">
+            <a:avLst>
+              <a:gd name="adj1" fmla="val -91492"/>
+              <a:gd name="adj2" fmla="val 36788"/>
+            </a:avLst>
+          </a:prstGeom>
+          <a:solidFill>
+            <a:schemeClr val="bg1"/>
+          </a:solidFill>
+        </p:spPr>
+        <p:style>
+          <a:lnRef idx="2">
+            <a:schemeClr val="accent1">
+              <a:shade val="50000"/>
+            </a:schemeClr>
+          </a:lnRef>
+          <a:fillRef idx="1">
+            <a:schemeClr val="accent1"/>
+          </a:fillRef>
+          <a:effectRef idx="0">
+            <a:schemeClr val="accent1"/>
+          </a:effectRef>
+          <a:fontRef idx="minor">
+            <a:schemeClr val="lt1"/>
+          </a:fontRef>
+        </p:style>
+        <p:txBody>
+          <a:bodyPr rtlCol="0" anchor="ctr"/>
+          <a:lstStyle/>
+          <a:p>
+            <a:r>
+              <a:rPr lang="ja-JP" altLang="en-US" dirty="0" smtClean="0">
+                <a:solidFill>
+                  <a:schemeClr val="tx1"/>
+                </a:solidFill>
+              </a:rPr>
+              <a:t>管理者権限のある利用者のみ表示させる</a:t>
+            </a:r>
+            <a:endParaRPr kumimoji="1" lang="ja-JP" altLang="en-US" dirty="0">
+              <a:solidFill>
+                <a:schemeClr val="tx1"/>
+              </a:solidFill>
+            </a:endParaRPr>
+          </a:p>
+        </p:txBody>
+      </p:sp>
+    </p:spTree>
+    <p:extLst>
+      <p:ext uri="{BB962C8B-B14F-4D97-AF65-F5344CB8AC3E}">
+        <p14:creationId xmlns:p14="http://schemas.microsoft.com/office/powerpoint/2010/main" val="1037202205"/>
+      </p:ext>
+    </p:extLst>
+  </p:cSld>
+  <p:clrMapOvr>
+    <a:masterClrMapping/>
+  </p:clrMapOvr>
+  <p:timing>
+    <p:tnLst>
+      <p:par>
+        <p:cTn id="1" dur="indefinite" restart="never" nodeType="tmRoot"/>
+      </p:par>
+    </p:tnLst>
+  </p:timing>
+</p:sld>
+</file>
+
+<file path=ppt/slides/slide15.xml><?xml version="1.0" encoding="utf-8"?>
+<p:sld xmlns:a="http://schemas.openxmlformats.org/drawingml/2006/main" xmlns:r="http://schemas.openxmlformats.org/officeDocument/2006/relationships" xmlns:p="http://schemas.openxmlformats.org/presentationml/2006/main">
+  <p:cSld>
+    <p:spTree>
+      <p:nvGrpSpPr>
+        <p:cNvPr id="1" name=""/>
+        <p:cNvGrpSpPr/>
+        <p:nvPr/>
+      </p:nvGrpSpPr>
+      <p:grpSpPr>
+        <a:xfrm>
+          <a:off x="0" y="0"/>
+          <a:ext cx="0" cy="0"/>
+          <a:chOff x="0" y="0"/>
+          <a:chExt cx="0" cy="0"/>
+        </a:xfrm>
+      </p:grpSpPr>
+      <p:sp>
+        <p:nvSpPr>
+          <p:cNvPr id="2" name="テキスト ボックス 1"/>
+          <p:cNvSpPr txBox="1"/>
+          <p:nvPr/>
+        </p:nvSpPr>
+        <p:spPr>
+          <a:xfrm>
+            <a:off x="107504" y="115412"/>
+            <a:ext cx="2736304" cy="369332"/>
+          </a:xfrm>
+          <a:prstGeom prst="rect">
+            <a:avLst/>
+          </a:prstGeom>
+          <a:noFill/>
+        </p:spPr>
+        <p:txBody>
+          <a:bodyPr wrap="square" rtlCol="0">
+            <a:spAutoFit/>
+          </a:bodyPr>
+          <a:lstStyle/>
+          <a:p>
+            <a:r>
+              <a:rPr kumimoji="1" lang="ja-JP" altLang="en-US" dirty="0" smtClean="0"/>
+              <a:t>質問管理表</a:t>
+            </a:r>
+            <a:endParaRPr kumimoji="1" lang="ja-JP" altLang="en-US" dirty="0"/>
+          </a:p>
+        </p:txBody>
+      </p:sp>
+      <p:sp>
+        <p:nvSpPr>
+          <p:cNvPr id="12" name="テキスト ボックス 11"/>
+          <p:cNvSpPr txBox="1"/>
+          <p:nvPr/>
+        </p:nvSpPr>
+        <p:spPr>
+          <a:xfrm>
+            <a:off x="719572" y="1134172"/>
+            <a:ext cx="1224136" cy="369332"/>
+          </a:xfrm>
+          <a:prstGeom prst="rect">
+            <a:avLst/>
+          </a:prstGeom>
+          <a:noFill/>
+        </p:spPr>
+        <p:txBody>
+          <a:bodyPr wrap="square" rtlCol="0">
+            <a:spAutoFit/>
+          </a:bodyPr>
+          <a:lstStyle/>
+          <a:p>
+            <a:r>
+              <a:rPr lang="ja-JP" altLang="en-US" dirty="0"/>
+              <a:t>タイトル</a:t>
+            </a:r>
+            <a:endParaRPr kumimoji="1" lang="ja-JP" altLang="en-US" dirty="0"/>
+          </a:p>
+        </p:txBody>
+      </p:sp>
+      <p:sp>
+        <p:nvSpPr>
+          <p:cNvPr id="17" name="正方形/長方形 16"/>
+          <p:cNvSpPr/>
+          <p:nvPr/>
+        </p:nvSpPr>
+        <p:spPr>
+          <a:xfrm>
+            <a:off x="1763688" y="1092139"/>
+            <a:ext cx="3007171" cy="369332"/>
+          </a:xfrm>
+          <a:prstGeom prst="rect">
+            <a:avLst/>
+          </a:prstGeom>
+          <a:solidFill>
+            <a:schemeClr val="bg1"/>
+          </a:solidFill>
+          <a:ln w="12700">
+            <a:solidFill>
+              <a:schemeClr val="tx1"/>
+            </a:solidFill>
+          </a:ln>
+        </p:spPr>
+        <p:style>
+          <a:lnRef idx="2">
+            <a:schemeClr val="accent1">
+              <a:shade val="50000"/>
+            </a:schemeClr>
+          </a:lnRef>
+          <a:fillRef idx="1">
+            <a:schemeClr val="accent1"/>
+          </a:fillRef>
+          <a:effectRef idx="0">
+            <a:schemeClr val="accent1"/>
+          </a:effectRef>
+          <a:fontRef idx="minor">
+            <a:schemeClr val="lt1"/>
+          </a:fontRef>
+        </p:style>
+        <p:txBody>
+          <a:bodyPr rtlCol="0" anchor="ctr"/>
+          <a:lstStyle/>
+          <a:p>
+            <a:pPr algn="ctr"/>
+            <a:endParaRPr kumimoji="1" lang="ja-JP" altLang="en-US"/>
+          </a:p>
+        </p:txBody>
+      </p:sp>
+      <p:sp>
+        <p:nvSpPr>
+          <p:cNvPr id="3" name="テキスト ボックス 2"/>
+          <p:cNvSpPr txBox="1"/>
+          <p:nvPr/>
+        </p:nvSpPr>
+        <p:spPr>
+          <a:xfrm>
+            <a:off x="323528" y="620688"/>
+            <a:ext cx="2232248" cy="369332"/>
+          </a:xfrm>
+          <a:prstGeom prst="rect">
+            <a:avLst/>
+          </a:prstGeom>
+          <a:noFill/>
+        </p:spPr>
+        <p:txBody>
+          <a:bodyPr wrap="square" rtlCol="0">
+            <a:spAutoFit/>
+          </a:bodyPr>
+          <a:lstStyle/>
+          <a:p>
+            <a:r>
+              <a:rPr lang="ja-JP" altLang="en-US" dirty="0" smtClean="0"/>
+              <a:t>案件新規</a:t>
+            </a:r>
+            <a:r>
+              <a:rPr lang="ja-JP" altLang="en-US" dirty="0"/>
+              <a:t>登録</a:t>
+            </a:r>
+            <a:endParaRPr kumimoji="1" lang="ja-JP" altLang="en-US" dirty="0"/>
+          </a:p>
+        </p:txBody>
+      </p:sp>
+      <p:sp>
+        <p:nvSpPr>
+          <p:cNvPr id="4" name="角丸四角形 3"/>
+          <p:cNvSpPr/>
+          <p:nvPr/>
+        </p:nvSpPr>
+        <p:spPr>
+          <a:xfrm>
+            <a:off x="2303748" y="1844824"/>
+            <a:ext cx="1080120" cy="432048"/>
+          </a:xfrm>
+          <a:prstGeom prst="roundRect">
+            <a:avLst/>
+          </a:prstGeom>
+          <a:solidFill>
+            <a:schemeClr val="tx2">
+              <a:lumMod val="20000"/>
+              <a:lumOff val="80000"/>
+            </a:schemeClr>
+          </a:solidFill>
+          <a:ln w="12700">
+            <a:solidFill>
+              <a:schemeClr val="tx1"/>
+            </a:solidFill>
+          </a:ln>
+        </p:spPr>
+        <p:style>
+          <a:lnRef idx="2">
+            <a:schemeClr val="accent1">
+              <a:shade val="50000"/>
+            </a:schemeClr>
+          </a:lnRef>
+          <a:fillRef idx="1">
+            <a:schemeClr val="accent1"/>
+          </a:fillRef>
+          <a:effectRef idx="0">
+            <a:schemeClr val="accent1"/>
+          </a:effectRef>
+          <a:fontRef idx="minor">
+            <a:schemeClr val="lt1"/>
+          </a:fontRef>
+        </p:style>
+        <p:txBody>
+          <a:bodyPr rtlCol="0" anchor="ctr"/>
+          <a:lstStyle/>
+          <a:p>
+            <a:pPr algn="ctr"/>
+            <a:r>
+              <a:rPr kumimoji="1" lang="ja-JP" altLang="en-US" dirty="0" smtClean="0">
+                <a:solidFill>
+                  <a:schemeClr val="tx1"/>
+                </a:solidFill>
+              </a:rPr>
+              <a:t>登録</a:t>
+            </a:r>
+            <a:endParaRPr kumimoji="1" lang="ja-JP" altLang="en-US" dirty="0">
+              <a:solidFill>
+                <a:schemeClr val="tx1"/>
+              </a:solidFill>
+            </a:endParaRPr>
+          </a:p>
+        </p:txBody>
+      </p:sp>
+      <p:sp>
+        <p:nvSpPr>
+          <p:cNvPr id="21" name="角丸四角形 20"/>
+          <p:cNvSpPr/>
+          <p:nvPr/>
+        </p:nvSpPr>
+        <p:spPr>
+          <a:xfrm>
+            <a:off x="808745" y="1846337"/>
+            <a:ext cx="1385528" cy="432048"/>
+          </a:xfrm>
+          <a:prstGeom prst="roundRect">
+            <a:avLst/>
+          </a:prstGeom>
+          <a:solidFill>
+            <a:schemeClr val="tx2">
+              <a:lumMod val="20000"/>
+              <a:lumOff val="80000"/>
+            </a:schemeClr>
+          </a:solidFill>
+          <a:ln w="12700">
+            <a:solidFill>
+              <a:schemeClr val="tx1"/>
+            </a:solidFill>
+          </a:ln>
+        </p:spPr>
+        <p:style>
+          <a:lnRef idx="2">
+            <a:schemeClr val="accent1">
+              <a:shade val="50000"/>
+            </a:schemeClr>
+          </a:lnRef>
+          <a:fillRef idx="1">
+            <a:schemeClr val="accent1"/>
+          </a:fillRef>
+          <a:effectRef idx="0">
+            <a:schemeClr val="accent1"/>
+          </a:effectRef>
+          <a:fontRef idx="minor">
+            <a:schemeClr val="lt1"/>
+          </a:fontRef>
+        </p:style>
+        <p:txBody>
+          <a:bodyPr rtlCol="0" anchor="ctr"/>
+          <a:lstStyle/>
+          <a:p>
+            <a:pPr algn="ctr"/>
+            <a:r>
+              <a:rPr lang="ja-JP" altLang="en-US" dirty="0">
+                <a:solidFill>
+                  <a:schemeClr val="tx1"/>
+                </a:solidFill>
+              </a:rPr>
+              <a:t>キャンセル</a:t>
+            </a:r>
+            <a:endParaRPr kumimoji="1" lang="ja-JP" altLang="en-US" dirty="0">
+              <a:solidFill>
+                <a:schemeClr val="tx1"/>
+              </a:solidFill>
+            </a:endParaRPr>
+          </a:p>
+        </p:txBody>
+      </p:sp>
+    </p:spTree>
+    <p:extLst>
+      <p:ext uri="{BB962C8B-B14F-4D97-AF65-F5344CB8AC3E}">
+        <p14:creationId xmlns:p14="http://schemas.microsoft.com/office/powerpoint/2010/main" val="1201117679"/>
+      </p:ext>
+    </p:extLst>
+  </p:cSld>
+  <p:clrMapOvr>
+    <a:masterClrMapping/>
+  </p:clrMapOvr>
+  <p:timing>
+    <p:tnLst>
+      <p:par>
+        <p:cTn id="1" dur="indefinite" restart="never" nodeType="tmRoot"/>
+      </p:par>
+    </p:tnLst>
+  </p:timing>
+</p:sld>
+</file>
+
+<file path=ppt/slides/slide16.xml><?xml version="1.0" encoding="utf-8"?>
+<p:sld xmlns:a="http://schemas.openxmlformats.org/drawingml/2006/main" xmlns:r="http://schemas.openxmlformats.org/officeDocument/2006/relationships" xmlns:p="http://schemas.openxmlformats.org/presentationml/2006/main">
+  <p:cSld>
+    <p:spTree>
+      <p:nvGrpSpPr>
+        <p:cNvPr id="1" name=""/>
+        <p:cNvGrpSpPr/>
+        <p:nvPr/>
+      </p:nvGrpSpPr>
+      <p:grpSpPr>
+        <a:xfrm>
+          <a:off x="0" y="0"/>
+          <a:ext cx="0" cy="0"/>
+          <a:chOff x="0" y="0"/>
+          <a:chExt cx="0" cy="0"/>
+        </a:xfrm>
+      </p:grpSpPr>
+      <p:sp>
+        <p:nvSpPr>
+          <p:cNvPr id="2" name="テキスト ボックス 1"/>
+          <p:cNvSpPr txBox="1"/>
+          <p:nvPr/>
+        </p:nvSpPr>
+        <p:spPr>
+          <a:xfrm>
+            <a:off x="107504" y="115412"/>
+            <a:ext cx="2736304" cy="369332"/>
+          </a:xfrm>
+          <a:prstGeom prst="rect">
+            <a:avLst/>
+          </a:prstGeom>
+          <a:noFill/>
+        </p:spPr>
+        <p:txBody>
+          <a:bodyPr wrap="square" rtlCol="0">
+            <a:spAutoFit/>
+          </a:bodyPr>
+          <a:lstStyle/>
+          <a:p>
+            <a:r>
+              <a:rPr kumimoji="1" lang="ja-JP" altLang="en-US" dirty="0" smtClean="0"/>
+              <a:t>質問管理表</a:t>
+            </a:r>
+            <a:endParaRPr kumimoji="1" lang="ja-JP" altLang="en-US" dirty="0"/>
+          </a:p>
+        </p:txBody>
+      </p:sp>
+      <p:sp>
+        <p:nvSpPr>
+          <p:cNvPr id="12" name="テキスト ボックス 11"/>
+          <p:cNvSpPr txBox="1"/>
+          <p:nvPr/>
+        </p:nvSpPr>
+        <p:spPr>
+          <a:xfrm>
+            <a:off x="719572" y="1134172"/>
+            <a:ext cx="1224136" cy="369332"/>
+          </a:xfrm>
+          <a:prstGeom prst="rect">
+            <a:avLst/>
+          </a:prstGeom>
+          <a:noFill/>
+        </p:spPr>
+        <p:txBody>
+          <a:bodyPr wrap="square" rtlCol="0">
+            <a:spAutoFit/>
+          </a:bodyPr>
+          <a:lstStyle/>
+          <a:p>
+            <a:r>
+              <a:rPr lang="ja-JP" altLang="en-US" dirty="0"/>
+              <a:t>タイトル</a:t>
+            </a:r>
+            <a:endParaRPr kumimoji="1" lang="ja-JP" altLang="en-US" dirty="0"/>
+          </a:p>
+        </p:txBody>
+      </p:sp>
+      <p:sp>
+        <p:nvSpPr>
+          <p:cNvPr id="17" name="正方形/長方形 16"/>
+          <p:cNvSpPr/>
+          <p:nvPr/>
+        </p:nvSpPr>
+        <p:spPr>
+          <a:xfrm>
+            <a:off x="1763688" y="1092139"/>
+            <a:ext cx="3007171" cy="369332"/>
+          </a:xfrm>
+          <a:prstGeom prst="rect">
+            <a:avLst/>
+          </a:prstGeom>
+          <a:solidFill>
+            <a:schemeClr val="bg1"/>
+          </a:solidFill>
+          <a:ln w="12700">
+            <a:solidFill>
+              <a:schemeClr val="tx1"/>
+            </a:solidFill>
+          </a:ln>
+        </p:spPr>
+        <p:style>
+          <a:lnRef idx="2">
+            <a:schemeClr val="accent1">
+              <a:shade val="50000"/>
+            </a:schemeClr>
+          </a:lnRef>
+          <a:fillRef idx="1">
+            <a:schemeClr val="accent1"/>
+          </a:fillRef>
+          <a:effectRef idx="0">
+            <a:schemeClr val="accent1"/>
+          </a:effectRef>
+          <a:fontRef idx="minor">
+            <a:schemeClr val="lt1"/>
+          </a:fontRef>
+        </p:style>
+        <p:txBody>
+          <a:bodyPr rtlCol="0" anchor="ctr"/>
+          <a:lstStyle/>
+          <a:p>
+            <a:pPr algn="ctr"/>
+            <a:endParaRPr kumimoji="1" lang="ja-JP" altLang="en-US"/>
+          </a:p>
+        </p:txBody>
+      </p:sp>
+      <p:sp>
+        <p:nvSpPr>
+          <p:cNvPr id="3" name="テキスト ボックス 2"/>
+          <p:cNvSpPr txBox="1"/>
+          <p:nvPr/>
+        </p:nvSpPr>
+        <p:spPr>
+          <a:xfrm>
+            <a:off x="323528" y="620688"/>
+            <a:ext cx="2232248" cy="369332"/>
+          </a:xfrm>
+          <a:prstGeom prst="rect">
+            <a:avLst/>
+          </a:prstGeom>
+          <a:noFill/>
+        </p:spPr>
+        <p:txBody>
+          <a:bodyPr wrap="square" rtlCol="0">
+            <a:spAutoFit/>
+          </a:bodyPr>
+          <a:lstStyle/>
+          <a:p>
+            <a:r>
+              <a:rPr lang="ja-JP" altLang="en-US" dirty="0" smtClean="0"/>
+              <a:t>案件更新</a:t>
+            </a:r>
+            <a:endParaRPr kumimoji="1" lang="ja-JP" altLang="en-US" dirty="0"/>
+          </a:p>
+        </p:txBody>
+      </p:sp>
+      <p:sp>
+        <p:nvSpPr>
+          <p:cNvPr id="4" name="角丸四角形 3"/>
+          <p:cNvSpPr/>
+          <p:nvPr/>
+        </p:nvSpPr>
+        <p:spPr>
+          <a:xfrm>
+            <a:off x="2303748" y="1844824"/>
+            <a:ext cx="1080120" cy="432048"/>
+          </a:xfrm>
+          <a:prstGeom prst="roundRect">
+            <a:avLst/>
+          </a:prstGeom>
+          <a:solidFill>
+            <a:schemeClr val="tx2">
+              <a:lumMod val="20000"/>
+              <a:lumOff val="80000"/>
+            </a:schemeClr>
+          </a:solidFill>
+          <a:ln w="12700">
+            <a:solidFill>
+              <a:schemeClr val="tx1"/>
+            </a:solidFill>
+          </a:ln>
+        </p:spPr>
+        <p:style>
+          <a:lnRef idx="2">
+            <a:schemeClr val="accent1">
+              <a:shade val="50000"/>
+            </a:schemeClr>
+          </a:lnRef>
+          <a:fillRef idx="1">
+            <a:schemeClr val="accent1"/>
+          </a:fillRef>
+          <a:effectRef idx="0">
+            <a:schemeClr val="accent1"/>
+          </a:effectRef>
+          <a:fontRef idx="minor">
+            <a:schemeClr val="lt1"/>
+          </a:fontRef>
+        </p:style>
+        <p:txBody>
+          <a:bodyPr rtlCol="0" anchor="ctr"/>
+          <a:lstStyle/>
+          <a:p>
+            <a:pPr algn="ctr"/>
+            <a:r>
+              <a:rPr lang="ja-JP" altLang="en-US" dirty="0">
+                <a:solidFill>
+                  <a:schemeClr val="tx1"/>
+                </a:solidFill>
+              </a:rPr>
+              <a:t>更新</a:t>
+            </a:r>
+            <a:endParaRPr kumimoji="1" lang="ja-JP" altLang="en-US" dirty="0">
+              <a:solidFill>
+                <a:schemeClr val="tx1"/>
+              </a:solidFill>
+            </a:endParaRPr>
+          </a:p>
+        </p:txBody>
+      </p:sp>
+      <p:sp>
+        <p:nvSpPr>
+          <p:cNvPr id="21" name="角丸四角形 20"/>
+          <p:cNvSpPr/>
+          <p:nvPr/>
+        </p:nvSpPr>
+        <p:spPr>
+          <a:xfrm>
+            <a:off x="808745" y="1846337"/>
+            <a:ext cx="1385528" cy="432048"/>
+          </a:xfrm>
+          <a:prstGeom prst="roundRect">
+            <a:avLst/>
+          </a:prstGeom>
+          <a:solidFill>
+            <a:schemeClr val="tx2">
+              <a:lumMod val="20000"/>
+              <a:lumOff val="80000"/>
+            </a:schemeClr>
+          </a:solidFill>
+          <a:ln w="12700">
+            <a:solidFill>
+              <a:schemeClr val="tx1"/>
+            </a:solidFill>
+          </a:ln>
+        </p:spPr>
+        <p:style>
+          <a:lnRef idx="2">
+            <a:schemeClr val="accent1">
+              <a:shade val="50000"/>
+            </a:schemeClr>
+          </a:lnRef>
+          <a:fillRef idx="1">
+            <a:schemeClr val="accent1"/>
+          </a:fillRef>
+          <a:effectRef idx="0">
+            <a:schemeClr val="accent1"/>
+          </a:effectRef>
+          <a:fontRef idx="minor">
+            <a:schemeClr val="lt1"/>
+          </a:fontRef>
+        </p:style>
+        <p:txBody>
+          <a:bodyPr rtlCol="0" anchor="ctr"/>
+          <a:lstStyle/>
+          <a:p>
+            <a:pPr algn="ctr"/>
+            <a:r>
+              <a:rPr lang="ja-JP" altLang="en-US" dirty="0">
+                <a:solidFill>
+                  <a:schemeClr val="tx1"/>
+                </a:solidFill>
+              </a:rPr>
+              <a:t>キャンセル</a:t>
+            </a:r>
+            <a:endParaRPr kumimoji="1" lang="ja-JP" altLang="en-US" dirty="0">
+              <a:solidFill>
+                <a:schemeClr val="tx1"/>
+              </a:solidFill>
+            </a:endParaRPr>
+          </a:p>
+        </p:txBody>
+      </p:sp>
+    </p:spTree>
+    <p:extLst>
+      <p:ext uri="{BB962C8B-B14F-4D97-AF65-F5344CB8AC3E}">
+        <p14:creationId xmlns:p14="http://schemas.microsoft.com/office/powerpoint/2010/main" val="3391313191"/>
+      </p:ext>
+    </p:extLst>
+  </p:cSld>
+  <p:clrMapOvr>
+    <a:masterClrMapping/>
+  </p:clrMapOvr>
+  <p:timing>
+    <p:tnLst>
+      <p:par>
+        <p:cTn id="1" dur="indefinite" restart="never" nodeType="tmRoot"/>
+      </p:par>
+    </p:tnLst>
+  </p:timing>
+</p:sld>
+</file>
+
+<file path=ppt/slides/slide17.xml><?xml version="1.0" encoding="utf-8"?>
+<p:sld xmlns:a="http://schemas.openxmlformats.org/drawingml/2006/main" xmlns:r="http://schemas.openxmlformats.org/officeDocument/2006/relationships" xmlns:p="http://schemas.openxmlformats.org/presentationml/2006/main">
+  <p:cSld>
+    <p:spTree>
+      <p:nvGrpSpPr>
+        <p:cNvPr id="1" name=""/>
+        <p:cNvGrpSpPr/>
+        <p:nvPr/>
+      </p:nvGrpSpPr>
+      <p:grpSpPr>
+        <a:xfrm>
+          <a:off x="0" y="0"/>
+          <a:ext cx="0" cy="0"/>
+          <a:chOff x="0" y="0"/>
+          <a:chExt cx="0" cy="0"/>
+        </a:xfrm>
+      </p:grpSpPr>
+      <p:sp>
+        <p:nvSpPr>
+          <p:cNvPr id="2" name="テキスト ボックス 1"/>
+          <p:cNvSpPr txBox="1"/>
+          <p:nvPr/>
+        </p:nvSpPr>
+        <p:spPr>
+          <a:xfrm>
+            <a:off x="107504" y="115412"/>
+            <a:ext cx="2736304" cy="369332"/>
+          </a:xfrm>
+          <a:prstGeom prst="rect">
+            <a:avLst/>
+          </a:prstGeom>
+          <a:noFill/>
+        </p:spPr>
+        <p:txBody>
+          <a:bodyPr wrap="square" rtlCol="0">
+            <a:spAutoFit/>
+          </a:bodyPr>
+          <a:lstStyle/>
+          <a:p>
+            <a:r>
+              <a:rPr kumimoji="1" lang="ja-JP" altLang="en-US" dirty="0" smtClean="0"/>
+              <a:t>質問管理表</a:t>
+            </a:r>
+            <a:endParaRPr kumimoji="1" lang="ja-JP" altLang="en-US" dirty="0"/>
+          </a:p>
+        </p:txBody>
+      </p:sp>
+      <p:sp>
+        <p:nvSpPr>
+          <p:cNvPr id="12" name="テキスト ボックス 11"/>
+          <p:cNvSpPr txBox="1"/>
+          <p:nvPr/>
+        </p:nvSpPr>
+        <p:spPr>
+          <a:xfrm>
+            <a:off x="719572" y="1134172"/>
+            <a:ext cx="2412268" cy="369332"/>
+          </a:xfrm>
+          <a:prstGeom prst="rect">
+            <a:avLst/>
+          </a:prstGeom>
+          <a:noFill/>
+        </p:spPr>
+        <p:txBody>
+          <a:bodyPr wrap="square" rtlCol="0">
+            <a:spAutoFit/>
+          </a:bodyPr>
+          <a:lstStyle/>
+          <a:p>
+            <a:r>
+              <a:rPr kumimoji="1" lang="ja-JP" altLang="en-US" dirty="0" smtClean="0"/>
+              <a:t>案件タイトル１</a:t>
+            </a:r>
+            <a:endParaRPr kumimoji="1" lang="ja-JP" altLang="en-US" dirty="0"/>
+          </a:p>
+        </p:txBody>
+      </p:sp>
+      <p:sp>
+        <p:nvSpPr>
+          <p:cNvPr id="3" name="テキスト ボックス 2"/>
+          <p:cNvSpPr txBox="1"/>
+          <p:nvPr/>
+        </p:nvSpPr>
+        <p:spPr>
+          <a:xfrm>
+            <a:off x="323528" y="620688"/>
+            <a:ext cx="2232248" cy="369332"/>
+          </a:xfrm>
+          <a:prstGeom prst="rect">
+            <a:avLst/>
+          </a:prstGeom>
+          <a:noFill/>
+        </p:spPr>
+        <p:txBody>
+          <a:bodyPr wrap="square" rtlCol="0">
+            <a:spAutoFit/>
+          </a:bodyPr>
+          <a:lstStyle/>
+          <a:p>
+            <a:r>
+              <a:rPr lang="ja-JP" altLang="en-US" dirty="0" smtClean="0"/>
+              <a:t>案件詳細</a:t>
+            </a:r>
+            <a:endParaRPr kumimoji="1" lang="ja-JP" altLang="en-US" dirty="0"/>
+          </a:p>
+        </p:txBody>
+      </p:sp>
+      <p:sp>
+        <p:nvSpPr>
+          <p:cNvPr id="5" name="テキスト ボックス 4"/>
+          <p:cNvSpPr txBox="1"/>
+          <p:nvPr/>
+        </p:nvSpPr>
+        <p:spPr>
+          <a:xfrm>
+            <a:off x="395536" y="5229200"/>
+            <a:ext cx="684076" cy="369332"/>
+          </a:xfrm>
+          <a:prstGeom prst="rect">
+            <a:avLst/>
+          </a:prstGeom>
+          <a:noFill/>
+        </p:spPr>
+        <p:txBody>
+          <a:bodyPr wrap="square" rtlCol="0">
+            <a:spAutoFit/>
+          </a:bodyPr>
+          <a:lstStyle/>
+          <a:p>
+            <a:r>
+              <a:rPr kumimoji="1" lang="ja-JP" altLang="en-US" dirty="0" smtClean="0"/>
+              <a:t>戻る</a:t>
+            </a:r>
+            <a:endParaRPr kumimoji="1" lang="ja-JP" altLang="en-US" dirty="0"/>
+          </a:p>
+        </p:txBody>
+      </p:sp>
+      <p:sp>
+        <p:nvSpPr>
+          <p:cNvPr id="6" name="テキスト ボックス 5"/>
+          <p:cNvSpPr txBox="1"/>
+          <p:nvPr/>
+        </p:nvSpPr>
+        <p:spPr>
+          <a:xfrm>
+            <a:off x="611560" y="2060848"/>
+            <a:ext cx="1656184" cy="369332"/>
+          </a:xfrm>
+          <a:prstGeom prst="rect">
+            <a:avLst/>
+          </a:prstGeom>
+          <a:noFill/>
+        </p:spPr>
+        <p:txBody>
+          <a:bodyPr wrap="square" rtlCol="0">
+            <a:spAutoFit/>
+          </a:bodyPr>
+          <a:lstStyle/>
+          <a:p>
+            <a:r>
+              <a:rPr kumimoji="1" lang="ja-JP" altLang="en-US" dirty="0" smtClean="0"/>
+              <a:t>利用者一覧</a:t>
+            </a:r>
+            <a:endParaRPr kumimoji="1" lang="ja-JP" altLang="en-US" dirty="0"/>
+          </a:p>
+        </p:txBody>
+      </p:sp>
+      <p:graphicFrame>
+        <p:nvGraphicFramePr>
+          <p:cNvPr id="7" name="オブジェクト 6"/>
+          <p:cNvGraphicFramePr>
+            <a:graphicFrameLocks noChangeAspect="1"/>
+          </p:cNvGraphicFramePr>
+          <p:nvPr>
+            <p:extLst>
+              <p:ext uri="{D42A27DB-BD31-4B8C-83A1-F6EECF244321}">
+                <p14:modId xmlns:p14="http://schemas.microsoft.com/office/powerpoint/2010/main" val="816837703"/>
+              </p:ext>
+            </p:extLst>
+          </p:nvPr>
+        </p:nvGraphicFramePr>
+        <p:xfrm>
+          <a:off x="719572" y="2755205"/>
+          <a:ext cx="2752725" cy="1076325"/>
+        </p:xfrm>
+        <a:graphic>
+          <a:graphicData uri="http://schemas.openxmlformats.org/presentationml/2006/ole">
+            <mc:AlternateContent xmlns:mc="http://schemas.openxmlformats.org/markup-compatibility/2006">
+              <mc:Choice xmlns:v="urn:schemas-microsoft-com:vml" Requires="v">
+                <p:oleObj spid="_x0000_s9224" name="ワークシート" r:id="rId3" imgW="2752655" imgH="1076220" progId="Excel.Sheet.12">
+                  <p:embed/>
+                </p:oleObj>
+              </mc:Choice>
+              <mc:Fallback>
+                <p:oleObj name="ワークシート" r:id="rId3" imgW="2752655" imgH="1076220" progId="Excel.Sheet.12">
+                  <p:embed/>
+                  <p:pic>
+                    <p:nvPicPr>
+                      <p:cNvPr id="0" name=""/>
+                      <p:cNvPicPr/>
+                      <p:nvPr/>
+                    </p:nvPicPr>
+                    <p:blipFill>
+                      <a:blip r:embed="rId4"/>
+                      <a:stretch>
+                        <a:fillRect/>
+                      </a:stretch>
+                    </p:blipFill>
+                    <p:spPr>
+                      <a:xfrm>
+                        <a:off x="719572" y="2755205"/>
+                        <a:ext cx="2752725" cy="1076325"/>
+                      </a:xfrm>
+                      <a:prstGeom prst="rect">
+                        <a:avLst/>
+                      </a:prstGeom>
+                    </p:spPr>
+                  </p:pic>
+                </p:oleObj>
+              </mc:Fallback>
+            </mc:AlternateContent>
+          </a:graphicData>
+        </a:graphic>
+      </p:graphicFrame>
+      <p:sp>
+        <p:nvSpPr>
+          <p:cNvPr id="13" name="角丸四角形 12"/>
+          <p:cNvSpPr/>
+          <p:nvPr/>
+        </p:nvSpPr>
+        <p:spPr>
+          <a:xfrm>
+            <a:off x="2528950" y="3050281"/>
+            <a:ext cx="684076" cy="288032"/>
+          </a:xfrm>
+          <a:prstGeom prst="roundRect">
+            <a:avLst/>
+          </a:prstGeom>
+          <a:solidFill>
+            <a:schemeClr val="tx2">
+              <a:lumMod val="20000"/>
+              <a:lumOff val="80000"/>
+            </a:schemeClr>
+          </a:solidFill>
+          <a:ln w="12700">
+            <a:solidFill>
+              <a:schemeClr val="tx1"/>
+            </a:solidFill>
+          </a:ln>
+        </p:spPr>
+        <p:style>
+          <a:lnRef idx="2">
+            <a:schemeClr val="accent1">
+              <a:shade val="50000"/>
+            </a:schemeClr>
+          </a:lnRef>
+          <a:fillRef idx="1">
+            <a:schemeClr val="accent1"/>
+          </a:fillRef>
+          <a:effectRef idx="0">
+            <a:schemeClr val="accent1"/>
+          </a:effectRef>
+          <a:fontRef idx="minor">
+            <a:schemeClr val="lt1"/>
+          </a:fontRef>
+        </p:style>
+        <p:txBody>
+          <a:bodyPr rtlCol="0" anchor="ctr"/>
+          <a:lstStyle/>
+          <a:p>
+            <a:pPr algn="ctr"/>
+            <a:r>
+              <a:rPr lang="ja-JP" altLang="en-US" dirty="0">
+                <a:solidFill>
+                  <a:schemeClr val="tx1"/>
+                </a:solidFill>
+              </a:rPr>
+              <a:t>削除</a:t>
+            </a:r>
+            <a:endParaRPr kumimoji="1" lang="ja-JP" altLang="en-US" dirty="0">
+              <a:solidFill>
+                <a:schemeClr val="tx1"/>
+              </a:solidFill>
+            </a:endParaRPr>
+          </a:p>
+        </p:txBody>
+      </p:sp>
+      <p:sp>
+        <p:nvSpPr>
+          <p:cNvPr id="14" name="角丸四角形 13"/>
+          <p:cNvSpPr/>
+          <p:nvPr/>
+        </p:nvSpPr>
+        <p:spPr>
+          <a:xfrm>
+            <a:off x="2528950" y="3483669"/>
+            <a:ext cx="684076" cy="288032"/>
+          </a:xfrm>
+          <a:prstGeom prst="roundRect">
+            <a:avLst/>
+          </a:prstGeom>
+          <a:solidFill>
+            <a:schemeClr val="tx2">
+              <a:lumMod val="20000"/>
+              <a:lumOff val="80000"/>
+            </a:schemeClr>
+          </a:solidFill>
+          <a:ln w="12700">
+            <a:solidFill>
+              <a:schemeClr val="tx1"/>
+            </a:solidFill>
+          </a:ln>
+        </p:spPr>
+        <p:style>
+          <a:lnRef idx="2">
+            <a:schemeClr val="accent1">
+              <a:shade val="50000"/>
+            </a:schemeClr>
+          </a:lnRef>
+          <a:fillRef idx="1">
+            <a:schemeClr val="accent1"/>
+          </a:fillRef>
+          <a:effectRef idx="0">
+            <a:schemeClr val="accent1"/>
+          </a:effectRef>
+          <a:fontRef idx="minor">
+            <a:schemeClr val="lt1"/>
+          </a:fontRef>
+        </p:style>
+        <p:txBody>
+          <a:bodyPr rtlCol="0" anchor="ctr"/>
+          <a:lstStyle/>
+          <a:p>
+            <a:pPr algn="ctr"/>
+            <a:r>
+              <a:rPr lang="ja-JP" altLang="en-US" dirty="0">
+                <a:solidFill>
+                  <a:schemeClr val="tx1"/>
+                </a:solidFill>
+              </a:rPr>
+              <a:t>削除</a:t>
+            </a:r>
+            <a:endParaRPr kumimoji="1" lang="ja-JP" altLang="en-US" dirty="0">
+              <a:solidFill>
+                <a:schemeClr val="tx1"/>
+              </a:solidFill>
+            </a:endParaRPr>
+          </a:p>
+        </p:txBody>
+      </p:sp>
+      <p:sp>
+        <p:nvSpPr>
+          <p:cNvPr id="8" name="角丸四角形 7"/>
+          <p:cNvSpPr/>
+          <p:nvPr/>
+        </p:nvSpPr>
+        <p:spPr>
+          <a:xfrm>
+            <a:off x="2123728" y="2062153"/>
+            <a:ext cx="1629004" cy="432048"/>
+          </a:xfrm>
+          <a:prstGeom prst="roundRect">
+            <a:avLst/>
+          </a:prstGeom>
+          <a:solidFill>
+            <a:schemeClr val="tx2">
+              <a:lumMod val="20000"/>
+              <a:lumOff val="80000"/>
+            </a:schemeClr>
+          </a:solidFill>
+          <a:ln w="12700">
+            <a:solidFill>
+              <a:schemeClr val="tx1"/>
+            </a:solidFill>
+          </a:ln>
+        </p:spPr>
+        <p:style>
+          <a:lnRef idx="2">
+            <a:schemeClr val="accent1">
+              <a:shade val="50000"/>
+            </a:schemeClr>
+          </a:lnRef>
+          <a:fillRef idx="1">
+            <a:schemeClr val="accent1"/>
+          </a:fillRef>
+          <a:effectRef idx="0">
+            <a:schemeClr val="accent1"/>
+          </a:effectRef>
+          <a:fontRef idx="minor">
+            <a:schemeClr val="lt1"/>
+          </a:fontRef>
+        </p:style>
+        <p:txBody>
+          <a:bodyPr rtlCol="0" anchor="ctr"/>
+          <a:lstStyle/>
+          <a:p>
+            <a:pPr algn="ctr"/>
+            <a:r>
+              <a:rPr kumimoji="1" lang="ja-JP" altLang="en-US" dirty="0" smtClean="0">
+                <a:solidFill>
+                  <a:schemeClr val="tx1"/>
+                </a:solidFill>
+              </a:rPr>
+              <a:t>利用者追加</a:t>
+            </a:r>
+            <a:endParaRPr kumimoji="1" lang="ja-JP" altLang="en-US" dirty="0">
+              <a:solidFill>
+                <a:schemeClr val="tx1"/>
+              </a:solidFill>
+            </a:endParaRPr>
+          </a:p>
+        </p:txBody>
+      </p:sp>
+    </p:spTree>
+    <p:extLst>
+      <p:ext uri="{BB962C8B-B14F-4D97-AF65-F5344CB8AC3E}">
+        <p14:creationId xmlns:p14="http://schemas.microsoft.com/office/powerpoint/2010/main" val="1846205959"/>
+      </p:ext>
+    </p:extLst>
+  </p:cSld>
+  <p:clrMapOvr>
+    <a:masterClrMapping/>
+  </p:clrMapOvr>
+  <p:timing>
+    <p:tnLst>
+      <p:par>
+        <p:cTn id="1" dur="indefinite" restart="never" nodeType="tmRoot"/>
+      </p:par>
+    </p:tnLst>
+  </p:timing>
+</p:sld>
+</file>
+
+<file path=ppt/slides/slide18.xml><?xml version="1.0" encoding="utf-8"?>
+<p:sld xmlns:a="http://schemas.openxmlformats.org/drawingml/2006/main" xmlns:r="http://schemas.openxmlformats.org/officeDocument/2006/relationships" xmlns:p="http://schemas.openxmlformats.org/presentationml/2006/main">
+  <p:cSld>
+    <p:spTree>
+      <p:nvGrpSpPr>
+        <p:cNvPr id="1" name=""/>
+        <p:cNvGrpSpPr/>
+        <p:nvPr/>
+      </p:nvGrpSpPr>
+      <p:grpSpPr>
+        <a:xfrm>
+          <a:off x="0" y="0"/>
+          <a:ext cx="0" cy="0"/>
+          <a:chOff x="0" y="0"/>
+          <a:chExt cx="0" cy="0"/>
+        </a:xfrm>
+      </p:grpSpPr>
+      <p:sp>
+        <p:nvSpPr>
+          <p:cNvPr id="2" name="テキスト ボックス 1"/>
+          <p:cNvSpPr txBox="1"/>
+          <p:nvPr/>
+        </p:nvSpPr>
+        <p:spPr>
+          <a:xfrm>
+            <a:off x="107504" y="115412"/>
+            <a:ext cx="2736304" cy="369332"/>
+          </a:xfrm>
+          <a:prstGeom prst="rect">
+            <a:avLst/>
+          </a:prstGeom>
+          <a:noFill/>
+        </p:spPr>
+        <p:txBody>
+          <a:bodyPr wrap="square" rtlCol="0">
+            <a:spAutoFit/>
+          </a:bodyPr>
+          <a:lstStyle/>
+          <a:p>
+            <a:r>
+              <a:rPr kumimoji="1" lang="ja-JP" altLang="en-US" dirty="0" smtClean="0"/>
+              <a:t>質問管理表</a:t>
+            </a:r>
+            <a:endParaRPr kumimoji="1" lang="ja-JP" altLang="en-US" dirty="0"/>
+          </a:p>
+        </p:txBody>
+      </p:sp>
+      <p:sp>
+        <p:nvSpPr>
+          <p:cNvPr id="12" name="テキスト ボックス 11"/>
+          <p:cNvSpPr txBox="1"/>
+          <p:nvPr/>
+        </p:nvSpPr>
+        <p:spPr>
+          <a:xfrm>
+            <a:off x="719572" y="1134172"/>
+            <a:ext cx="1224136" cy="369332"/>
+          </a:xfrm>
+          <a:prstGeom prst="rect">
+            <a:avLst/>
+          </a:prstGeom>
+          <a:noFill/>
+        </p:spPr>
+        <p:txBody>
+          <a:bodyPr wrap="square" rtlCol="0">
+            <a:spAutoFit/>
+          </a:bodyPr>
+          <a:lstStyle/>
+          <a:p>
+            <a:r>
+              <a:rPr lang="ja-JP" altLang="en-US" dirty="0"/>
+              <a:t>氏名</a:t>
+            </a:r>
+            <a:endParaRPr kumimoji="1" lang="ja-JP" altLang="en-US" dirty="0"/>
+          </a:p>
+        </p:txBody>
+      </p:sp>
+      <p:sp>
+        <p:nvSpPr>
+          <p:cNvPr id="17" name="正方形/長方形 16"/>
+          <p:cNvSpPr/>
+          <p:nvPr/>
+        </p:nvSpPr>
+        <p:spPr>
+          <a:xfrm>
+            <a:off x="1763688" y="1092139"/>
+            <a:ext cx="1503585" cy="369332"/>
+          </a:xfrm>
+          <a:prstGeom prst="rect">
+            <a:avLst/>
+          </a:prstGeom>
+          <a:solidFill>
+            <a:schemeClr val="bg1"/>
+          </a:solidFill>
+          <a:ln w="12700">
+            <a:solidFill>
+              <a:schemeClr val="tx1"/>
+            </a:solidFill>
+          </a:ln>
+        </p:spPr>
+        <p:style>
+          <a:lnRef idx="2">
+            <a:schemeClr val="accent1">
+              <a:shade val="50000"/>
+            </a:schemeClr>
+          </a:lnRef>
+          <a:fillRef idx="1">
+            <a:schemeClr val="accent1"/>
+          </a:fillRef>
+          <a:effectRef idx="0">
+            <a:schemeClr val="accent1"/>
+          </a:effectRef>
+          <a:fontRef idx="minor">
+            <a:schemeClr val="lt1"/>
+          </a:fontRef>
+        </p:style>
+        <p:txBody>
+          <a:bodyPr rtlCol="0" anchor="ctr"/>
+          <a:lstStyle/>
+          <a:p>
+            <a:pPr algn="ctr"/>
+            <a:endParaRPr kumimoji="1" lang="ja-JP" altLang="en-US"/>
+          </a:p>
+        </p:txBody>
+      </p:sp>
+      <p:sp>
+        <p:nvSpPr>
+          <p:cNvPr id="3" name="テキスト ボックス 2"/>
+          <p:cNvSpPr txBox="1"/>
+          <p:nvPr/>
+        </p:nvSpPr>
+        <p:spPr>
+          <a:xfrm>
+            <a:off x="323528" y="620688"/>
+            <a:ext cx="2232248" cy="369332"/>
+          </a:xfrm>
+          <a:prstGeom prst="rect">
+            <a:avLst/>
+          </a:prstGeom>
+          <a:noFill/>
+        </p:spPr>
+        <p:txBody>
+          <a:bodyPr wrap="square" rtlCol="0">
+            <a:spAutoFit/>
+          </a:bodyPr>
+          <a:lstStyle/>
+          <a:p>
+            <a:r>
+              <a:rPr lang="ja-JP" altLang="en-US" dirty="0" smtClean="0"/>
+              <a:t>利用者</a:t>
+            </a:r>
+            <a:r>
+              <a:rPr lang="ja-JP" altLang="en-US" dirty="0"/>
+              <a:t>追加</a:t>
+            </a:r>
+            <a:endParaRPr kumimoji="1" lang="ja-JP" altLang="en-US" dirty="0"/>
+          </a:p>
+        </p:txBody>
+      </p:sp>
+      <p:sp>
+        <p:nvSpPr>
+          <p:cNvPr id="4" name="角丸四角形 3"/>
+          <p:cNvSpPr/>
+          <p:nvPr/>
+        </p:nvSpPr>
+        <p:spPr>
+          <a:xfrm>
+            <a:off x="2303748" y="1844824"/>
+            <a:ext cx="1080120" cy="432048"/>
+          </a:xfrm>
+          <a:prstGeom prst="roundRect">
+            <a:avLst/>
+          </a:prstGeom>
+          <a:solidFill>
+            <a:schemeClr val="tx2">
+              <a:lumMod val="20000"/>
+              <a:lumOff val="80000"/>
+            </a:schemeClr>
+          </a:solidFill>
+          <a:ln w="12700">
+            <a:solidFill>
+              <a:schemeClr val="tx1"/>
+            </a:solidFill>
+          </a:ln>
+        </p:spPr>
+        <p:style>
+          <a:lnRef idx="2">
+            <a:schemeClr val="accent1">
+              <a:shade val="50000"/>
+            </a:schemeClr>
+          </a:lnRef>
+          <a:fillRef idx="1">
+            <a:schemeClr val="accent1"/>
+          </a:fillRef>
+          <a:effectRef idx="0">
+            <a:schemeClr val="accent1"/>
+          </a:effectRef>
+          <a:fontRef idx="minor">
+            <a:schemeClr val="lt1"/>
+          </a:fontRef>
+        </p:style>
+        <p:txBody>
+          <a:bodyPr rtlCol="0" anchor="ctr"/>
+          <a:lstStyle/>
+          <a:p>
+            <a:pPr algn="ctr"/>
+            <a:r>
+              <a:rPr lang="ja-JP" altLang="en-US" dirty="0">
+                <a:solidFill>
+                  <a:schemeClr val="tx1"/>
+                </a:solidFill>
+              </a:rPr>
+              <a:t>追加</a:t>
+            </a:r>
+            <a:endParaRPr kumimoji="1" lang="ja-JP" altLang="en-US" dirty="0">
+              <a:solidFill>
+                <a:schemeClr val="tx1"/>
+              </a:solidFill>
+            </a:endParaRPr>
+          </a:p>
+        </p:txBody>
+      </p:sp>
+      <p:sp>
+        <p:nvSpPr>
+          <p:cNvPr id="21" name="角丸四角形 20"/>
+          <p:cNvSpPr/>
+          <p:nvPr/>
+        </p:nvSpPr>
+        <p:spPr>
+          <a:xfrm>
+            <a:off x="808745" y="1846337"/>
+            <a:ext cx="1385528" cy="432048"/>
+          </a:xfrm>
+          <a:prstGeom prst="roundRect">
+            <a:avLst/>
+          </a:prstGeom>
+          <a:solidFill>
+            <a:schemeClr val="tx2">
+              <a:lumMod val="20000"/>
+              <a:lumOff val="80000"/>
+            </a:schemeClr>
+          </a:solidFill>
+          <a:ln w="12700">
+            <a:solidFill>
+              <a:schemeClr val="tx1"/>
+            </a:solidFill>
+          </a:ln>
+        </p:spPr>
+        <p:style>
+          <a:lnRef idx="2">
+            <a:schemeClr val="accent1">
+              <a:shade val="50000"/>
+            </a:schemeClr>
+          </a:lnRef>
+          <a:fillRef idx="1">
+            <a:schemeClr val="accent1"/>
+          </a:fillRef>
+          <a:effectRef idx="0">
+            <a:schemeClr val="accent1"/>
+          </a:effectRef>
+          <a:fontRef idx="minor">
+            <a:schemeClr val="lt1"/>
+          </a:fontRef>
+        </p:style>
+        <p:txBody>
+          <a:bodyPr rtlCol="0" anchor="ctr"/>
+          <a:lstStyle/>
+          <a:p>
+            <a:pPr algn="ctr"/>
+            <a:r>
+              <a:rPr lang="ja-JP" altLang="en-US" dirty="0">
+                <a:solidFill>
+                  <a:schemeClr val="tx1"/>
+                </a:solidFill>
+              </a:rPr>
+              <a:t>キャンセル</a:t>
+            </a:r>
+            <a:endParaRPr kumimoji="1" lang="ja-JP" altLang="en-US" dirty="0">
+              <a:solidFill>
+                <a:schemeClr val="tx1"/>
+              </a:solidFill>
+            </a:endParaRPr>
+          </a:p>
+        </p:txBody>
+      </p:sp>
+    </p:spTree>
+    <p:extLst>
+      <p:ext uri="{BB962C8B-B14F-4D97-AF65-F5344CB8AC3E}">
+        <p14:creationId xmlns:p14="http://schemas.microsoft.com/office/powerpoint/2010/main" val="203921277"/>
       </p:ext>
     </p:extLst>
   </p:cSld>
@@ -7118,12 +9557,12 @@
           <a:graphicData uri="http://schemas.openxmlformats.org/presentationml/2006/ole">
             <mc:AlternateContent xmlns:mc="http://schemas.openxmlformats.org/markup-compatibility/2006">
               <mc:Choice xmlns:v="urn:schemas-microsoft-com:vml" Requires="v">
-                <p:oleObj spid="_x0000_s2086" name="ワークシート" r:id="rId4" imgW="6305443" imgH="2486160" progId="Excel.Sheet.12">
+                <p:oleObj spid="_x0000_s2110" name="ワークシート" r:id="rId3" imgW="6305443" imgH="2486160" progId="Excel.Sheet.12">
                   <p:embed/>
                 </p:oleObj>
               </mc:Choice>
               <mc:Fallback>
-                <p:oleObj name="ワークシート" r:id="rId4" imgW="6305443" imgH="2486160" progId="Excel.Sheet.12">
+                <p:oleObj name="ワークシート" r:id="rId3" imgW="6305443" imgH="2486160" progId="Excel.Sheet.12">
                   <p:embed/>
                   <p:pic>
                     <p:nvPicPr>
@@ -7132,7 +9571,7 @@
                       <p:nvPr/>
                     </p:nvPicPr>
                     <p:blipFill>
-                      <a:blip r:embed="rId5"/>
+                      <a:blip r:embed="rId4"/>
                       <a:stretch>
                         <a:fillRect/>
                       </a:stretch>
@@ -7252,12 +9691,12 @@
           <a:graphicData uri="http://schemas.openxmlformats.org/presentationml/2006/ole">
             <mc:AlternateContent xmlns:mc="http://schemas.openxmlformats.org/markup-compatibility/2006">
               <mc:Choice xmlns:v="urn:schemas-microsoft-com:vml" Requires="v">
-                <p:oleObj spid="_x0000_s2087" name="ワークシート" r:id="rId7" imgW="7239023" imgH="1009530" progId="Excel.Sheet.12">
+                <p:oleObj spid="_x0000_s2111" name="ワークシート" r:id="rId5" imgW="7239023" imgH="1009530" progId="Excel.Sheet.12">
                   <p:embed/>
                 </p:oleObj>
               </mc:Choice>
               <mc:Fallback>
-                <p:oleObj name="ワークシート" r:id="rId7" imgW="7239023" imgH="1009530" progId="Excel.Sheet.12">
+                <p:oleObj name="ワークシート" r:id="rId5" imgW="7239023" imgH="1009530" progId="Excel.Sheet.12">
                   <p:embed/>
                   <p:pic>
                     <p:nvPicPr>
@@ -7266,7 +9705,7 @@
                       <p:nvPr/>
                     </p:nvPicPr>
                     <p:blipFill>
-                      <a:blip r:embed="rId8"/>
+                      <a:blip r:embed="rId6"/>
                       <a:stretch>
                         <a:fillRect/>
                       </a:stretch>
@@ -10409,12 +12848,12 @@
           <a:graphicData uri="http://schemas.openxmlformats.org/presentationml/2006/ole">
             <mc:AlternateContent xmlns:mc="http://schemas.openxmlformats.org/markup-compatibility/2006">
               <mc:Choice xmlns:v="urn:schemas-microsoft-com:vml" Requires="v">
-                <p:oleObj spid="_x0000_s3090" name="ワークシート" r:id="rId4" imgW="8391410" imgH="1885950" progId="Excel.Sheet.12">
+                <p:oleObj spid="_x0000_s3102" name="ワークシート" r:id="rId3" imgW="8391410" imgH="1885950" progId="Excel.Sheet.12">
                   <p:embed/>
                 </p:oleObj>
               </mc:Choice>
               <mc:Fallback>
-                <p:oleObj name="ワークシート" r:id="rId4" imgW="8391410" imgH="1885950" progId="Excel.Sheet.12">
+                <p:oleObj name="ワークシート" r:id="rId3" imgW="8391410" imgH="1885950" progId="Excel.Sheet.12">
                   <p:embed/>
                   <p:pic>
                     <p:nvPicPr>
@@ -10423,7 +12862,7 @@
                       <p:nvPr/>
                     </p:nvPicPr>
                     <p:blipFill>
-                      <a:blip r:embed="rId5"/>
+                      <a:blip r:embed="rId4"/>
                       <a:stretch>
                         <a:fillRect/>
                       </a:stretch>
@@ -11543,7 +13982,7 @@
         </p:nvSpPr>
         <p:spPr>
           <a:xfrm>
-            <a:off x="3186683" y="3789040"/>
+            <a:off x="3186683" y="4293096"/>
             <a:ext cx="1080120" cy="432048"/>
           </a:xfrm>
           <a:prstGeom prst="roundRect">
@@ -11606,7 +14045,7 @@
         </p:nvSpPr>
         <p:spPr>
           <a:xfrm>
-            <a:off x="1691680" y="3790553"/>
+            <a:off x="1691680" y="4294609"/>
             <a:ext cx="1385528" cy="432048"/>
           </a:xfrm>
           <a:prstGeom prst="roundRect">
@@ -11658,6 +14097,226 @@
                 <a:schemeClr val="tx1"/>
               </a:solidFill>
             </a:endParaRPr>
+          </a:p>
+        </p:txBody>
+      </p:sp>
+      <p:sp>
+        <p:nvSpPr>
+          <p:cNvPr id="22" name="テキスト ボックス 21"/>
+          <p:cNvSpPr txBox="1"/>
+          <p:nvPr/>
+        </p:nvSpPr>
+        <p:spPr>
+          <a:xfrm>
+            <a:off x="683568" y="3789040"/>
+            <a:ext cx="1872208" cy="369332"/>
+          </a:xfrm>
+          <a:prstGeom prst="rect">
+            <a:avLst/>
+          </a:prstGeom>
+          <a:noFill/>
+        </p:spPr>
+        <p:txBody>
+          <a:bodyPr wrap="square" rtlCol="0">
+            <a:spAutoFit/>
+          </a:bodyPr>
+          <a:lstStyle/>
+          <a:p>
+            <a:r>
+              <a:rPr lang="ja-JP" altLang="en-US" dirty="0" smtClean="0"/>
+              <a:t>管理者</a:t>
+            </a:r>
+            <a:r>
+              <a:rPr lang="ja-JP" altLang="en-US" dirty="0"/>
+              <a:t>権限</a:t>
+            </a:r>
+            <a:endParaRPr kumimoji="1" lang="ja-JP" altLang="en-US" dirty="0"/>
+          </a:p>
+        </p:txBody>
+      </p:sp>
+      <p:sp>
+        <p:nvSpPr>
+          <p:cNvPr id="5" name="テキスト ボックス 4"/>
+          <p:cNvSpPr txBox="1"/>
+          <p:nvPr/>
+        </p:nvSpPr>
+        <p:spPr>
+          <a:xfrm>
+            <a:off x="2682627" y="3789040"/>
+            <a:ext cx="504056" cy="369332"/>
+          </a:xfrm>
+          <a:prstGeom prst="rect">
+            <a:avLst/>
+          </a:prstGeom>
+          <a:noFill/>
+        </p:spPr>
+        <p:txBody>
+          <a:bodyPr wrap="square" rtlCol="0">
+            <a:spAutoFit/>
+          </a:bodyPr>
+          <a:lstStyle/>
+          <a:p>
+            <a:r>
+              <a:rPr kumimoji="1" lang="ja-JP" altLang="en-US" dirty="0" smtClean="0"/>
+              <a:t>有</a:t>
+            </a:r>
+            <a:endParaRPr kumimoji="1" lang="ja-JP" altLang="en-US" dirty="0"/>
+          </a:p>
+        </p:txBody>
+      </p:sp>
+      <p:sp>
+        <p:nvSpPr>
+          <p:cNvPr id="10" name="テキスト ボックス 9"/>
+          <p:cNvSpPr txBox="1"/>
+          <p:nvPr/>
+        </p:nvSpPr>
+        <p:spPr>
+          <a:xfrm>
+            <a:off x="3690739" y="3801988"/>
+            <a:ext cx="576064" cy="369332"/>
+          </a:xfrm>
+          <a:prstGeom prst="rect">
+            <a:avLst/>
+          </a:prstGeom>
+          <a:noFill/>
+        </p:spPr>
+        <p:txBody>
+          <a:bodyPr wrap="square" rtlCol="0">
+            <a:spAutoFit/>
+          </a:bodyPr>
+          <a:lstStyle/>
+          <a:p>
+            <a:r>
+              <a:rPr lang="ja-JP" altLang="en-US" dirty="0"/>
+              <a:t>無</a:t>
+            </a:r>
+            <a:endParaRPr kumimoji="1" lang="ja-JP" altLang="en-US" dirty="0"/>
+          </a:p>
+        </p:txBody>
+      </p:sp>
+      <p:sp>
+        <p:nvSpPr>
+          <p:cNvPr id="11" name="円/楕円 10"/>
+          <p:cNvSpPr/>
+          <p:nvPr/>
+        </p:nvSpPr>
+        <p:spPr>
+          <a:xfrm>
+            <a:off x="3186683" y="3851391"/>
+            <a:ext cx="305196" cy="270525"/>
+          </a:xfrm>
+          <a:prstGeom prst="ellipse">
+            <a:avLst/>
+          </a:prstGeom>
+          <a:solidFill>
+            <a:schemeClr val="bg1"/>
+          </a:solidFill>
+        </p:spPr>
+        <p:style>
+          <a:lnRef idx="2">
+            <a:schemeClr val="dk1">
+              <a:shade val="50000"/>
+            </a:schemeClr>
+          </a:lnRef>
+          <a:fillRef idx="1">
+            <a:schemeClr val="dk1"/>
+          </a:fillRef>
+          <a:effectRef idx="0">
+            <a:schemeClr val="dk1"/>
+          </a:effectRef>
+          <a:fontRef idx="minor">
+            <a:schemeClr val="lt1"/>
+          </a:fontRef>
+        </p:style>
+        <p:txBody>
+          <a:bodyPr rtlCol="0" anchor="ctr"/>
+          <a:lstStyle/>
+          <a:p>
+            <a:pPr algn="ctr"/>
+            <a:endParaRPr kumimoji="1" lang="ja-JP" altLang="en-US"/>
+          </a:p>
+        </p:txBody>
+      </p:sp>
+      <p:sp>
+        <p:nvSpPr>
+          <p:cNvPr id="23" name="円/楕円 22"/>
+          <p:cNvSpPr/>
+          <p:nvPr/>
+        </p:nvSpPr>
+        <p:spPr>
+          <a:xfrm>
+            <a:off x="4114205" y="3838443"/>
+            <a:ext cx="305196" cy="270525"/>
+          </a:xfrm>
+          <a:prstGeom prst="ellipse">
+            <a:avLst/>
+          </a:prstGeom>
+          <a:solidFill>
+            <a:schemeClr val="bg1"/>
+          </a:solidFill>
+        </p:spPr>
+        <p:style>
+          <a:lnRef idx="2">
+            <a:schemeClr val="dk1">
+              <a:shade val="50000"/>
+            </a:schemeClr>
+          </a:lnRef>
+          <a:fillRef idx="1">
+            <a:schemeClr val="dk1"/>
+          </a:fillRef>
+          <a:effectRef idx="0">
+            <a:schemeClr val="dk1"/>
+          </a:effectRef>
+          <a:fontRef idx="minor">
+            <a:schemeClr val="lt1"/>
+          </a:fontRef>
+        </p:style>
+        <p:txBody>
+          <a:bodyPr rtlCol="0" anchor="ctr"/>
+          <a:lstStyle/>
+          <a:p>
+            <a:pPr algn="ctr"/>
+            <a:endParaRPr kumimoji="1" lang="ja-JP" altLang="en-US"/>
+          </a:p>
+        </p:txBody>
+      </p:sp>
+      <p:sp>
+        <p:nvSpPr>
+          <p:cNvPr id="13" name="円/楕円 12"/>
+          <p:cNvSpPr/>
+          <p:nvPr/>
+        </p:nvSpPr>
+        <p:spPr>
+          <a:xfrm>
+            <a:off x="3278134" y="3941330"/>
+            <a:ext cx="112303" cy="90647"/>
+          </a:xfrm>
+          <a:prstGeom prst="ellipse">
+            <a:avLst/>
+          </a:prstGeom>
+        </p:spPr>
+        <p:style>
+          <a:lnRef idx="2">
+            <a:schemeClr val="dk1">
+              <a:shade val="50000"/>
+            </a:schemeClr>
+          </a:lnRef>
+          <a:fillRef idx="1">
+            <a:schemeClr val="dk1"/>
+          </a:fillRef>
+          <a:effectRef idx="0">
+            <a:schemeClr val="dk1"/>
+          </a:effectRef>
+          <a:fontRef idx="minor">
+            <a:schemeClr val="lt1"/>
+          </a:fontRef>
+        </p:style>
+        <p:txBody>
+          <a:bodyPr rtlCol="0" anchor="ctr"/>
+          <a:lstStyle/>
+          <a:p>
+            <a:pPr algn="ctr"/>
+            <a:endParaRPr kumimoji="1" lang="ja-JP" altLang="en-US"/>
           </a:p>
         </p:txBody>
       </p:sp>

--- a/document/画面一覧.pptx
+++ b/document/画面一覧.pptx
@@ -305,7 +305,7 @@
           <a:p>
             <a:fld id="{E2878988-D8A0-41FC-BFAE-62C0E9D186B2}" type="datetimeFigureOut">
               <a:rPr kumimoji="1" lang="ja-JP" altLang="en-US" smtClean="0"/>
-              <a:t>2015/4/28</a:t>
+              <a:t>2015/5/21</a:t>
             </a:fld>
             <a:endParaRPr kumimoji="1" lang="ja-JP" altLang="en-US"/>
           </a:p>
@@ -507,7 +507,7 @@
           <a:p>
             <a:fld id="{E2878988-D8A0-41FC-BFAE-62C0E9D186B2}" type="datetimeFigureOut">
               <a:rPr kumimoji="1" lang="ja-JP" altLang="en-US" smtClean="0"/>
-              <a:t>2015/4/28</a:t>
+              <a:t>2015/5/21</a:t>
             </a:fld>
             <a:endParaRPr kumimoji="1" lang="ja-JP" altLang="en-US"/>
           </a:p>
@@ -719,7 +719,7 @@
           <a:p>
             <a:fld id="{E2878988-D8A0-41FC-BFAE-62C0E9D186B2}" type="datetimeFigureOut">
               <a:rPr kumimoji="1" lang="ja-JP" altLang="en-US" smtClean="0"/>
-              <a:t>2015/4/28</a:t>
+              <a:t>2015/5/21</a:t>
             </a:fld>
             <a:endParaRPr kumimoji="1" lang="ja-JP" altLang="en-US"/>
           </a:p>
@@ -921,7 +921,7 @@
           <a:p>
             <a:fld id="{E2878988-D8A0-41FC-BFAE-62C0E9D186B2}" type="datetimeFigureOut">
               <a:rPr kumimoji="1" lang="ja-JP" altLang="en-US" smtClean="0"/>
-              <a:t>2015/4/28</a:t>
+              <a:t>2015/5/21</a:t>
             </a:fld>
             <a:endParaRPr kumimoji="1" lang="ja-JP" altLang="en-US"/>
           </a:p>
@@ -1167,7 +1167,7 @@
           <a:p>
             <a:fld id="{E2878988-D8A0-41FC-BFAE-62C0E9D186B2}" type="datetimeFigureOut">
               <a:rPr kumimoji="1" lang="ja-JP" altLang="en-US" smtClean="0"/>
-              <a:t>2015/4/28</a:t>
+              <a:t>2015/5/21</a:t>
             </a:fld>
             <a:endParaRPr kumimoji="1" lang="ja-JP" altLang="en-US"/>
           </a:p>
@@ -1519,7 +1519,7 @@
           <a:p>
             <a:fld id="{E2878988-D8A0-41FC-BFAE-62C0E9D186B2}" type="datetimeFigureOut">
               <a:rPr kumimoji="1" lang="ja-JP" altLang="en-US" smtClean="0"/>
-              <a:t>2015/4/28</a:t>
+              <a:t>2015/5/21</a:t>
             </a:fld>
             <a:endParaRPr kumimoji="1" lang="ja-JP" altLang="en-US"/>
           </a:p>
@@ -2005,7 +2005,7 @@
           <a:p>
             <a:fld id="{E2878988-D8A0-41FC-BFAE-62C0E9D186B2}" type="datetimeFigureOut">
               <a:rPr kumimoji="1" lang="ja-JP" altLang="en-US" smtClean="0"/>
-              <a:t>2015/4/28</a:t>
+              <a:t>2015/5/21</a:t>
             </a:fld>
             <a:endParaRPr kumimoji="1" lang="ja-JP" altLang="en-US"/>
           </a:p>
@@ -2123,7 +2123,7 @@
           <a:p>
             <a:fld id="{E2878988-D8A0-41FC-BFAE-62C0E9D186B2}" type="datetimeFigureOut">
               <a:rPr kumimoji="1" lang="ja-JP" altLang="en-US" smtClean="0"/>
-              <a:t>2015/4/28</a:t>
+              <a:t>2015/5/21</a:t>
             </a:fld>
             <a:endParaRPr kumimoji="1" lang="ja-JP" altLang="en-US"/>
           </a:p>
@@ -2218,7 +2218,7 @@
           <a:p>
             <a:fld id="{E2878988-D8A0-41FC-BFAE-62C0E9D186B2}" type="datetimeFigureOut">
               <a:rPr kumimoji="1" lang="ja-JP" altLang="en-US" smtClean="0"/>
-              <a:t>2015/4/28</a:t>
+              <a:t>2015/5/21</a:t>
             </a:fld>
             <a:endParaRPr kumimoji="1" lang="ja-JP" altLang="en-US"/>
           </a:p>
@@ -2527,7 +2527,7 @@
           <a:p>
             <a:fld id="{E2878988-D8A0-41FC-BFAE-62C0E9D186B2}" type="datetimeFigureOut">
               <a:rPr kumimoji="1" lang="ja-JP" altLang="en-US" smtClean="0"/>
-              <a:t>2015/4/28</a:t>
+              <a:t>2015/5/21</a:t>
             </a:fld>
             <a:endParaRPr kumimoji="1" lang="ja-JP" altLang="en-US"/>
           </a:p>
@@ -2780,7 +2780,7 @@
           <a:p>
             <a:fld id="{E2878988-D8A0-41FC-BFAE-62C0E9D186B2}" type="datetimeFigureOut">
               <a:rPr kumimoji="1" lang="ja-JP" altLang="en-US" smtClean="0"/>
-              <a:t>2015/4/28</a:t>
+              <a:t>2015/5/21</a:t>
             </a:fld>
             <a:endParaRPr kumimoji="1" lang="ja-JP" altLang="en-US"/>
           </a:p>
@@ -3025,7 +3025,7 @@
           <a:p>
             <a:fld id="{E2878988-D8A0-41FC-BFAE-62C0E9D186B2}" type="datetimeFigureOut">
               <a:rPr kumimoji="1" lang="ja-JP" altLang="en-US" smtClean="0"/>
-              <a:t>2015/4/28</a:t>
+              <a:t>2015/5/21</a:t>
             </a:fld>
             <a:endParaRPr kumimoji="1" lang="ja-JP" altLang="en-US"/>
           </a:p>
@@ -3482,12 +3482,12 @@
           <a:graphicData uri="http://schemas.openxmlformats.org/presentationml/2006/ole">
             <mc:AlternateContent xmlns:mc="http://schemas.openxmlformats.org/markup-compatibility/2006">
               <mc:Choice xmlns:v="urn:schemas-microsoft-com:vml" Requires="v">
-                <p:oleObj spid="_x0000_s1063" name="ワークシート" r:id="rId3" imgW="5629300" imgH="1076220" progId="Excel.Sheet.12">
+                <p:oleObj spid="_x0000_s1064" name="ワークシート" r:id="rId4" imgW="5629300" imgH="1076220" progId="Excel.Sheet.12">
                   <p:embed/>
                 </p:oleObj>
               </mc:Choice>
               <mc:Fallback>
-                <p:oleObj name="ワークシート" r:id="rId3" imgW="5629300" imgH="1076220" progId="Excel.Sheet.12">
+                <p:oleObj name="ワークシート" r:id="rId4" imgW="5629300" imgH="1076220" progId="Excel.Sheet.12">
                   <p:embed/>
                   <p:pic>
                     <p:nvPicPr>
@@ -3496,7 +3496,7 @@
                       <p:nvPr/>
                     </p:nvPicPr>
                     <p:blipFill>
-                      <a:blip r:embed="rId4"/>
+                      <a:blip r:embed="rId5"/>
                       <a:stretch>
                         <a:fillRect/>
                       </a:stretch>
@@ -5733,12 +5733,12 @@
           <a:graphicData uri="http://schemas.openxmlformats.org/presentationml/2006/ole">
             <mc:AlternateContent xmlns:mc="http://schemas.openxmlformats.org/markup-compatibility/2006">
               <mc:Choice xmlns:v="urn:schemas-microsoft-com:vml" Requires="v">
-                <p:oleObj spid="_x0000_s5136" name="ワークシート" r:id="rId3" imgW="3219444" imgH="676350" progId="Excel.Sheet.12">
+                <p:oleObj spid="_x0000_s5137" name="ワークシート" r:id="rId4" imgW="3219444" imgH="676350" progId="Excel.Sheet.12">
                   <p:embed/>
                 </p:oleObj>
               </mc:Choice>
               <mc:Fallback>
-                <p:oleObj name="ワークシート" r:id="rId3" imgW="3219444" imgH="676350" progId="Excel.Sheet.12">
+                <p:oleObj name="ワークシート" r:id="rId4" imgW="3219444" imgH="676350" progId="Excel.Sheet.12">
                   <p:embed/>
                   <p:pic>
                     <p:nvPicPr>
@@ -5747,7 +5747,7 @@
                       <p:nvPr/>
                     </p:nvPicPr>
                     <p:blipFill>
-                      <a:blip r:embed="rId4"/>
+                      <a:blip r:embed="rId5"/>
                       <a:stretch>
                         <a:fillRect/>
                       </a:stretch>
@@ -6202,12 +6202,12 @@
           <a:graphicData uri="http://schemas.openxmlformats.org/presentationml/2006/ole">
             <mc:AlternateContent xmlns:mc="http://schemas.openxmlformats.org/markup-compatibility/2006">
               <mc:Choice xmlns:v="urn:schemas-microsoft-com:vml" Requires="v">
-                <p:oleObj spid="_x0000_s6159" name="ワークシート" r:id="rId3" imgW="2209687" imgH="723870" progId="Excel.Sheet.12">
+                <p:oleObj spid="_x0000_s6160" name="ワークシート" r:id="rId4" imgW="2209687" imgH="723870" progId="Excel.Sheet.12">
                   <p:embed/>
                 </p:oleObj>
               </mc:Choice>
               <mc:Fallback>
-                <p:oleObj name="ワークシート" r:id="rId3" imgW="2209687" imgH="723870" progId="Excel.Sheet.12">
+                <p:oleObj name="ワークシート" r:id="rId4" imgW="2209687" imgH="723870" progId="Excel.Sheet.12">
                   <p:embed/>
                   <p:pic>
                     <p:nvPicPr>
@@ -6216,7 +6216,7 @@
                       <p:nvPr/>
                     </p:nvPicPr>
                     <p:blipFill>
-                      <a:blip r:embed="rId4"/>
+                      <a:blip r:embed="rId5"/>
                       <a:stretch>
                         <a:fillRect/>
                       </a:stretch>
@@ -6735,12 +6735,12 @@
           <a:graphicData uri="http://schemas.openxmlformats.org/presentationml/2006/ole">
             <mc:AlternateContent xmlns:mc="http://schemas.openxmlformats.org/markup-compatibility/2006">
               <mc:Choice xmlns:v="urn:schemas-microsoft-com:vml" Requires="v">
-                <p:oleObj spid="_x0000_s8203" name="ワークシート" r:id="rId3" imgW="5819744" imgH="1295460" progId="Excel.Sheet.12">
+                <p:oleObj spid="_x0000_s8204" name="ワークシート" r:id="rId4" imgW="5819744" imgH="1295460" progId="Excel.Sheet.12">
                   <p:embed/>
                 </p:oleObj>
               </mc:Choice>
               <mc:Fallback>
-                <p:oleObj name="ワークシート" r:id="rId3" imgW="5819744" imgH="1295460" progId="Excel.Sheet.12">
+                <p:oleObj name="ワークシート" r:id="rId4" imgW="5819744" imgH="1295460" progId="Excel.Sheet.12">
                   <p:embed/>
                   <p:pic>
                     <p:nvPicPr>
@@ -6749,7 +6749,7 @@
                       <p:nvPr/>
                     </p:nvPicPr>
                     <p:blipFill>
-                      <a:blip r:embed="rId4"/>
+                      <a:blip r:embed="rId5"/>
                       <a:stretch>
                         <a:fillRect/>
                       </a:stretch>
@@ -7938,7 +7938,7 @@
           <p:nvPr>
             <p:extLst>
               <p:ext uri="{D42A27DB-BD31-4B8C-83A1-F6EECF244321}">
-                <p14:modId xmlns:p14="http://schemas.microsoft.com/office/powerpoint/2010/main" val="816837703"/>
+                <p14:modId xmlns:p14="http://schemas.microsoft.com/office/powerpoint/2010/main" val="3027965602"/>
               </p:ext>
             </p:extLst>
           </p:nvPr>
@@ -7951,7 +7951,7 @@
           <a:graphicData uri="http://schemas.openxmlformats.org/presentationml/2006/ole">
             <mc:AlternateContent xmlns:mc="http://schemas.openxmlformats.org/markup-compatibility/2006">
               <mc:Choice xmlns:v="urn:schemas-microsoft-com:vml" Requires="v">
-                <p:oleObj spid="_x0000_s9224" name="ワークシート" r:id="rId3" imgW="2752655" imgH="1076220" progId="Excel.Sheet.12">
+                <p:oleObj spid="_x0000_s9225" name="ワークシート" r:id="rId3" imgW="2752655" imgH="1076220" progId="Excel.Sheet.12">
                   <p:embed/>
                 </p:oleObj>
               </mc:Choice>
@@ -8265,8 +8265,8 @@
           <a:lstStyle/>
           <a:p>
             <a:r>
-              <a:rPr lang="ja-JP" altLang="en-US" dirty="0"/>
-              <a:t>氏名</a:t>
+              <a:rPr lang="en-US" altLang="ja-JP" dirty="0" smtClean="0"/>
+              <a:t>ID</a:t>
             </a:r>
             <a:endParaRPr kumimoji="1" lang="ja-JP" altLang="en-US" dirty="0"/>
           </a:p>
@@ -8280,7 +8280,7 @@
         </p:nvSpPr>
         <p:spPr>
           <a:xfrm>
-            <a:off x="1763688" y="1092139"/>
+            <a:off x="1191915" y="1134172"/>
             <a:ext cx="1503585" cy="369332"/>
           </a:xfrm>
           <a:prstGeom prst="rect">
@@ -8480,6 +8480,97 @@
           </a:p>
         </p:txBody>
       </p:sp>
+      <p:sp>
+        <p:nvSpPr>
+          <p:cNvPr id="8" name="テキスト ボックス 7"/>
+          <p:cNvSpPr txBox="1"/>
+          <p:nvPr/>
+        </p:nvSpPr>
+        <p:spPr>
+          <a:xfrm>
+            <a:off x="428675" y="2564904"/>
+            <a:ext cx="2232248" cy="369332"/>
+          </a:xfrm>
+          <a:prstGeom prst="rect">
+            <a:avLst/>
+          </a:prstGeom>
+          <a:noFill/>
+        </p:spPr>
+        <p:txBody>
+          <a:bodyPr wrap="square" rtlCol="0">
+            <a:spAutoFit/>
+          </a:bodyPr>
+          <a:lstStyle/>
+          <a:p>
+            <a:r>
+              <a:rPr lang="ja-JP" altLang="en-US" dirty="0" smtClean="0"/>
+              <a:t>利用者</a:t>
+            </a:r>
+            <a:r>
+              <a:rPr lang="ja-JP" altLang="en-US" dirty="0"/>
+              <a:t>一覧</a:t>
+            </a:r>
+            <a:endParaRPr kumimoji="1" lang="ja-JP" altLang="en-US" dirty="0"/>
+          </a:p>
+        </p:txBody>
+      </p:sp>
+      <p:graphicFrame>
+        <p:nvGraphicFramePr>
+          <p:cNvPr id="6" name="オブジェクト 5"/>
+          <p:cNvGraphicFramePr>
+            <a:graphicFrameLocks noChangeAspect="1"/>
+          </p:cNvGraphicFramePr>
+          <p:nvPr>
+            <p:extLst>
+              <p:ext uri="{D42A27DB-BD31-4B8C-83A1-F6EECF244321}">
+                <p14:modId xmlns:p14="http://schemas.microsoft.com/office/powerpoint/2010/main" val="1438369335"/>
+              </p:ext>
+            </p:extLst>
+          </p:nvPr>
+        </p:nvGraphicFramePr>
+        <p:xfrm>
+          <a:off x="905483" y="2944133"/>
+          <a:ext cx="2076450" cy="809625"/>
+        </p:xfrm>
+        <a:graphic>
+          <a:graphicData uri="http://schemas.openxmlformats.org/presentationml/2006/ole">
+            <mc:AlternateContent xmlns:mc="http://schemas.openxmlformats.org/markup-compatibility/2006">
+              <mc:Choice xmlns:v="urn:schemas-microsoft-com:vml" Requires="v">
+                <p:oleObj spid="_x0000_s10243" name="ワークシート" r:id="rId3" imgW="2076512" imgH="809730" progId="Excel.Sheet.12">
+                  <p:embed/>
+                </p:oleObj>
+              </mc:Choice>
+              <mc:Fallback>
+                <p:oleObj name="ワークシート" r:id="rId3" imgW="2076512" imgH="809730" progId="Excel.Sheet.12">
+                  <p:embed/>
+                  <p:pic>
+                    <p:nvPicPr>
+                      <p:cNvPr id="0" name=""/>
+                      <p:cNvPicPr/>
+                      <p:nvPr/>
+                    </p:nvPicPr>
+                    <p:blipFill>
+                      <a:blip r:embed="rId4"/>
+                      <a:stretch>
+                        <a:fillRect/>
+                      </a:stretch>
+                    </p:blipFill>
+                    <p:spPr>
+                      <a:xfrm>
+                        <a:off x="905483" y="2944133"/>
+                        <a:ext cx="2076450" cy="809625"/>
+                      </a:xfrm>
+                      <a:prstGeom prst="rect">
+                        <a:avLst/>
+                      </a:prstGeom>
+                    </p:spPr>
+                  </p:pic>
+                </p:oleObj>
+              </mc:Fallback>
+            </mc:AlternateContent>
+          </a:graphicData>
+        </a:graphic>
+      </p:graphicFrame>
     </p:spTree>
     <p:extLst>
       <p:ext uri="{BB962C8B-B14F-4D97-AF65-F5344CB8AC3E}">
@@ -9557,12 +9648,12 @@
           <a:graphicData uri="http://schemas.openxmlformats.org/presentationml/2006/ole">
             <mc:AlternateContent xmlns:mc="http://schemas.openxmlformats.org/markup-compatibility/2006">
               <mc:Choice xmlns:v="urn:schemas-microsoft-com:vml" Requires="v">
-                <p:oleObj spid="_x0000_s2110" name="ワークシート" r:id="rId3" imgW="6305443" imgH="2486160" progId="Excel.Sheet.12">
+                <p:oleObj spid="_x0000_s2112" name="ワークシート" r:id="rId4" imgW="6305443" imgH="2486160" progId="Excel.Sheet.12">
                   <p:embed/>
                 </p:oleObj>
               </mc:Choice>
               <mc:Fallback>
-                <p:oleObj name="ワークシート" r:id="rId3" imgW="6305443" imgH="2486160" progId="Excel.Sheet.12">
+                <p:oleObj name="ワークシート" r:id="rId4" imgW="6305443" imgH="2486160" progId="Excel.Sheet.12">
                   <p:embed/>
                   <p:pic>
                     <p:nvPicPr>
@@ -9571,7 +9662,7 @@
                       <p:nvPr/>
                     </p:nvPicPr>
                     <p:blipFill>
-                      <a:blip r:embed="rId4"/>
+                      <a:blip r:embed="rId5"/>
                       <a:stretch>
                         <a:fillRect/>
                       </a:stretch>
@@ -9691,12 +9782,12 @@
           <a:graphicData uri="http://schemas.openxmlformats.org/presentationml/2006/ole">
             <mc:AlternateContent xmlns:mc="http://schemas.openxmlformats.org/markup-compatibility/2006">
               <mc:Choice xmlns:v="urn:schemas-microsoft-com:vml" Requires="v">
-                <p:oleObj spid="_x0000_s2111" name="ワークシート" r:id="rId5" imgW="7239023" imgH="1009530" progId="Excel.Sheet.12">
+                <p:oleObj spid="_x0000_s2113" name="ワークシート" r:id="rId7" imgW="7239023" imgH="1009530" progId="Excel.Sheet.12">
                   <p:embed/>
                 </p:oleObj>
               </mc:Choice>
               <mc:Fallback>
-                <p:oleObj name="ワークシート" r:id="rId5" imgW="7239023" imgH="1009530" progId="Excel.Sheet.12">
+                <p:oleObj name="ワークシート" r:id="rId7" imgW="7239023" imgH="1009530" progId="Excel.Sheet.12">
                   <p:embed/>
                   <p:pic>
                     <p:nvPicPr>
@@ -9705,7 +9796,7 @@
                       <p:nvPr/>
                     </p:nvPicPr>
                     <p:blipFill>
-                      <a:blip r:embed="rId6"/>
+                      <a:blip r:embed="rId8"/>
                       <a:stretch>
                         <a:fillRect/>
                       </a:stretch>
@@ -12848,12 +12939,12 @@
           <a:graphicData uri="http://schemas.openxmlformats.org/presentationml/2006/ole">
             <mc:AlternateContent xmlns:mc="http://schemas.openxmlformats.org/markup-compatibility/2006">
               <mc:Choice xmlns:v="urn:schemas-microsoft-com:vml" Requires="v">
-                <p:oleObj spid="_x0000_s3102" name="ワークシート" r:id="rId3" imgW="8391410" imgH="1885950" progId="Excel.Sheet.12">
+                <p:oleObj spid="_x0000_s3103" name="ワークシート" r:id="rId4" imgW="8391410" imgH="1885950" progId="Excel.Sheet.12">
                   <p:embed/>
                 </p:oleObj>
               </mc:Choice>
               <mc:Fallback>
-                <p:oleObj name="ワークシート" r:id="rId3" imgW="8391410" imgH="1885950" progId="Excel.Sheet.12">
+                <p:oleObj name="ワークシート" r:id="rId4" imgW="8391410" imgH="1885950" progId="Excel.Sheet.12">
                   <p:embed/>
                   <p:pic>
                     <p:nvPicPr>
@@ -12862,7 +12953,7 @@
                       <p:nvPr/>
                     </p:nvPicPr>
                     <p:blipFill>
-                      <a:blip r:embed="rId4"/>
+                      <a:blip r:embed="rId5"/>
                       <a:stretch>
                         <a:fillRect/>
                       </a:stretch>
